--- a/algorithm/electricity/03_denki-koujishi/01_kakomon/R1_1/02_jitsugi/q13/a13.pptx
+++ b/algorithm/electricity/03_denki-koujishi/01_kakomon/R1_1/02_jitsugi/q13/a13.pptx
@@ -10,6 +10,7 @@
     <p:sldId id="346" r:id="rId4"/>
     <p:sldId id="347" r:id="rId5"/>
     <p:sldId id="348" r:id="rId6"/>
+    <p:sldId id="349" r:id="rId7"/>
   </p:sldIdLst>
   <p:sldSz cx="12192000" cy="6858000"/>
   <p:notesSz cx="6858000" cy="9144000"/>
@@ -14283,6 +14284,4155 @@
 </p:sld>
 </file>
 
+<file path=ppt/slides/slide6.xml><?xml version="1.0" encoding="utf-8"?>
+<p:sld xmlns:a="http://schemas.openxmlformats.org/drawingml/2006/main" xmlns:r="http://schemas.openxmlformats.org/officeDocument/2006/relationships" xmlns:p="http://schemas.openxmlformats.org/presentationml/2006/main">
+  <p:cSld>
+    <p:spTree>
+      <p:nvGrpSpPr>
+        <p:cNvPr id="1" name=""/>
+        <p:cNvGrpSpPr/>
+        <p:nvPr/>
+      </p:nvGrpSpPr>
+      <p:grpSpPr>
+        <a:xfrm>
+          <a:off x="0" y="0"/>
+          <a:ext cx="0" cy="0"/>
+          <a:chOff x="0" y="0"/>
+          <a:chExt cx="0" cy="0"/>
+        </a:xfrm>
+      </p:grpSpPr>
+      <p:sp>
+        <p:nvSpPr>
+          <p:cNvPr id="44" name="楕円 43">
+            <a:extLst>
+              <a:ext uri="{FF2B5EF4-FFF2-40B4-BE49-F238E27FC236}">
+                <a16:creationId xmlns:a16="http://schemas.microsoft.com/office/drawing/2014/main" id="{F928BFB5-9CA6-4D76-89C5-95229637D3F1}"/>
+              </a:ext>
+            </a:extLst>
+          </p:cNvPr>
+          <p:cNvSpPr/>
+          <p:nvPr/>
+        </p:nvSpPr>
+        <p:spPr>
+          <a:xfrm>
+            <a:off x="5706329" y="84257"/>
+            <a:ext cx="786798" cy="818707"/>
+          </a:xfrm>
+          <a:prstGeom prst="ellipse">
+            <a:avLst/>
+          </a:prstGeom>
+          <a:solidFill>
+            <a:schemeClr val="bg1"/>
+          </a:solidFill>
+          <a:ln w="38100">
+            <a:solidFill>
+              <a:schemeClr val="bg2">
+                <a:lumMod val="10000"/>
+              </a:schemeClr>
+            </a:solidFill>
+          </a:ln>
+        </p:spPr>
+        <p:style>
+          <a:lnRef idx="2">
+            <a:schemeClr val="accent1">
+              <a:shade val="50000"/>
+            </a:schemeClr>
+          </a:lnRef>
+          <a:fillRef idx="1">
+            <a:schemeClr val="accent1"/>
+          </a:fillRef>
+          <a:effectRef idx="0">
+            <a:schemeClr val="accent1"/>
+          </a:effectRef>
+          <a:fontRef idx="minor">
+            <a:schemeClr val="lt1"/>
+          </a:fontRef>
+        </p:style>
+        <p:txBody>
+          <a:bodyPr rtlCol="0" anchor="ctr"/>
+          <a:lstStyle/>
+          <a:p>
+            <a:pPr algn="ctr"/>
+            <a:r>
+              <a:rPr kumimoji="1" lang="en-US" altLang="ja-JP" sz="3600" dirty="0">
+                <a:solidFill>
+                  <a:schemeClr val="tx1"/>
+                </a:solidFill>
+                <a:latin typeface="+mn-ea"/>
+              </a:rPr>
+              <a:t>R</a:t>
+            </a:r>
+            <a:endParaRPr kumimoji="1" lang="ja-JP" altLang="en-US" sz="3600" dirty="0">
+              <a:solidFill>
+                <a:schemeClr val="tx1"/>
+              </a:solidFill>
+              <a:latin typeface="+mn-ea"/>
+            </a:endParaRPr>
+          </a:p>
+        </p:txBody>
+      </p:sp>
+      <p:sp>
+        <p:nvSpPr>
+          <p:cNvPr id="7" name="楕円 6">
+            <a:extLst>
+              <a:ext uri="{FF2B5EF4-FFF2-40B4-BE49-F238E27FC236}">
+                <a16:creationId xmlns:a16="http://schemas.microsoft.com/office/drawing/2014/main" id="{3B110D3F-0631-4A34-B34D-A3A8EAD6EF60}"/>
+              </a:ext>
+            </a:extLst>
+          </p:cNvPr>
+          <p:cNvSpPr/>
+          <p:nvPr/>
+        </p:nvSpPr>
+        <p:spPr>
+          <a:xfrm>
+            <a:off x="641599" y="1494126"/>
+            <a:ext cx="2667209" cy="2738509"/>
+          </a:xfrm>
+          <a:prstGeom prst="ellipse">
+            <a:avLst/>
+          </a:prstGeom>
+          <a:solidFill>
+            <a:schemeClr val="bg1"/>
+          </a:solidFill>
+          <a:ln w="28575">
+            <a:solidFill>
+              <a:schemeClr val="bg2">
+                <a:lumMod val="10000"/>
+              </a:schemeClr>
+            </a:solidFill>
+            <a:prstDash val="dash"/>
+          </a:ln>
+        </p:spPr>
+        <p:style>
+          <a:lnRef idx="2">
+            <a:schemeClr val="accent1">
+              <a:shade val="50000"/>
+            </a:schemeClr>
+          </a:lnRef>
+          <a:fillRef idx="1">
+            <a:schemeClr val="accent1"/>
+          </a:fillRef>
+          <a:effectRef idx="0">
+            <a:schemeClr val="accent1"/>
+          </a:effectRef>
+          <a:fontRef idx="minor">
+            <a:schemeClr val="lt1"/>
+          </a:fontRef>
+        </p:style>
+        <p:txBody>
+          <a:bodyPr rtlCol="0" anchor="ctr"/>
+          <a:lstStyle/>
+          <a:p>
+            <a:pPr algn="ctr"/>
+            <a:endParaRPr kumimoji="1" lang="ja-JP" altLang="en-US"/>
+          </a:p>
+        </p:txBody>
+      </p:sp>
+      <p:sp>
+        <p:nvSpPr>
+          <p:cNvPr id="76" name="テキスト ボックス 75">
+            <a:extLst>
+              <a:ext uri="{FF2B5EF4-FFF2-40B4-BE49-F238E27FC236}">
+                <a16:creationId xmlns:a16="http://schemas.microsoft.com/office/drawing/2014/main" id="{BDE9EEA3-7B6F-45B8-AF6A-D5E642D0E619}"/>
+              </a:ext>
+            </a:extLst>
+          </p:cNvPr>
+          <p:cNvSpPr txBox="1"/>
+          <p:nvPr/>
+        </p:nvSpPr>
+        <p:spPr>
+          <a:xfrm>
+            <a:off x="6659059" y="292238"/>
+            <a:ext cx="492443" cy="461665"/>
+          </a:xfrm>
+          <a:prstGeom prst="rect">
+            <a:avLst/>
+          </a:prstGeom>
+          <a:noFill/>
+        </p:spPr>
+        <p:txBody>
+          <a:bodyPr wrap="none" rtlCol="0">
+            <a:spAutoFit/>
+          </a:bodyPr>
+          <a:lstStyle/>
+          <a:p>
+            <a:r>
+              <a:rPr kumimoji="1" lang="ja-JP" altLang="en-US" sz="2400" b="1" dirty="0">
+                <a:latin typeface="Georgia" panose="02040502050405020303" pitchFamily="18" charset="0"/>
+              </a:rPr>
+              <a:t>イ</a:t>
+            </a:r>
+          </a:p>
+        </p:txBody>
+      </p:sp>
+      <p:sp>
+        <p:nvSpPr>
+          <p:cNvPr id="48" name="楕円 47">
+            <a:extLst>
+              <a:ext uri="{FF2B5EF4-FFF2-40B4-BE49-F238E27FC236}">
+                <a16:creationId xmlns:a16="http://schemas.microsoft.com/office/drawing/2014/main" id="{E7FD351A-634F-4ECB-8DF5-E5ABF968793B}"/>
+              </a:ext>
+            </a:extLst>
+          </p:cNvPr>
+          <p:cNvSpPr/>
+          <p:nvPr/>
+        </p:nvSpPr>
+        <p:spPr>
+          <a:xfrm>
+            <a:off x="5706329" y="5164020"/>
+            <a:ext cx="786798" cy="736573"/>
+          </a:xfrm>
+          <a:prstGeom prst="ellipse">
+            <a:avLst/>
+          </a:prstGeom>
+          <a:solidFill>
+            <a:schemeClr val="bg1"/>
+          </a:solidFill>
+          <a:ln w="38100">
+            <a:solidFill>
+              <a:schemeClr val="bg2">
+                <a:lumMod val="10000"/>
+              </a:schemeClr>
+            </a:solidFill>
+          </a:ln>
+        </p:spPr>
+        <p:style>
+          <a:lnRef idx="2">
+            <a:schemeClr val="accent1">
+              <a:shade val="50000"/>
+            </a:schemeClr>
+          </a:lnRef>
+          <a:fillRef idx="1">
+            <a:schemeClr val="accent1"/>
+          </a:fillRef>
+          <a:effectRef idx="0">
+            <a:schemeClr val="accent1"/>
+          </a:effectRef>
+          <a:fontRef idx="minor">
+            <a:schemeClr val="lt1"/>
+          </a:fontRef>
+        </p:style>
+        <p:txBody>
+          <a:bodyPr rtlCol="0" anchor="ctr"/>
+          <a:lstStyle/>
+          <a:p>
+            <a:pPr algn="ctr"/>
+            <a:endParaRPr kumimoji="1" lang="ja-JP" altLang="en-US"/>
+          </a:p>
+        </p:txBody>
+      </p:sp>
+      <p:cxnSp>
+        <p:nvCxnSpPr>
+          <p:cNvPr id="49" name="直線コネクタ 48">
+            <a:extLst>
+              <a:ext uri="{FF2B5EF4-FFF2-40B4-BE49-F238E27FC236}">
+                <a16:creationId xmlns:a16="http://schemas.microsoft.com/office/drawing/2014/main" id="{9D907A5C-EE03-481B-8F87-E3DE640D5F90}"/>
+              </a:ext>
+            </a:extLst>
+          </p:cNvPr>
+          <p:cNvCxnSpPr>
+            <a:cxnSpLocks/>
+          </p:cNvCxnSpPr>
+          <p:nvPr/>
+        </p:nvCxnSpPr>
+        <p:spPr>
+          <a:xfrm flipH="1">
+            <a:off x="5755793" y="5672782"/>
+            <a:ext cx="737334" cy="0"/>
+          </a:xfrm>
+          <a:prstGeom prst="line">
+            <a:avLst/>
+          </a:prstGeom>
+          <a:ln w="57150">
+            <a:solidFill>
+              <a:schemeClr val="bg2">
+                <a:lumMod val="10000"/>
+              </a:schemeClr>
+            </a:solidFill>
+          </a:ln>
+        </p:spPr>
+        <p:style>
+          <a:lnRef idx="1">
+            <a:schemeClr val="accent1"/>
+          </a:lnRef>
+          <a:fillRef idx="0">
+            <a:schemeClr val="accent1"/>
+          </a:fillRef>
+          <a:effectRef idx="0">
+            <a:schemeClr val="accent1"/>
+          </a:effectRef>
+          <a:fontRef idx="minor">
+            <a:schemeClr val="tx1"/>
+          </a:fontRef>
+        </p:style>
+      </p:cxnSp>
+      <p:cxnSp>
+        <p:nvCxnSpPr>
+          <p:cNvPr id="68" name="直線コネクタ 67">
+            <a:extLst>
+              <a:ext uri="{FF2B5EF4-FFF2-40B4-BE49-F238E27FC236}">
+                <a16:creationId xmlns:a16="http://schemas.microsoft.com/office/drawing/2014/main" id="{88B5FB6C-55C5-49AB-B3AB-A1391E6B9748}"/>
+              </a:ext>
+            </a:extLst>
+          </p:cNvPr>
+          <p:cNvCxnSpPr>
+            <a:cxnSpLocks/>
+          </p:cNvCxnSpPr>
+          <p:nvPr/>
+        </p:nvCxnSpPr>
+        <p:spPr>
+          <a:xfrm flipV="1">
+            <a:off x="5941367" y="5220011"/>
+            <a:ext cx="0" cy="424256"/>
+          </a:xfrm>
+          <a:prstGeom prst="line">
+            <a:avLst/>
+          </a:prstGeom>
+          <a:ln w="57150">
+            <a:solidFill>
+              <a:schemeClr val="bg2">
+                <a:lumMod val="10000"/>
+              </a:schemeClr>
+            </a:solidFill>
+          </a:ln>
+        </p:spPr>
+        <p:style>
+          <a:lnRef idx="1">
+            <a:schemeClr val="accent1"/>
+          </a:lnRef>
+          <a:fillRef idx="0">
+            <a:schemeClr val="accent1"/>
+          </a:fillRef>
+          <a:effectRef idx="0">
+            <a:schemeClr val="accent1"/>
+          </a:effectRef>
+          <a:fontRef idx="minor">
+            <a:schemeClr val="tx1"/>
+          </a:fontRef>
+        </p:style>
+      </p:cxnSp>
+      <p:cxnSp>
+        <p:nvCxnSpPr>
+          <p:cNvPr id="71" name="直線コネクタ 70">
+            <a:extLst>
+              <a:ext uri="{FF2B5EF4-FFF2-40B4-BE49-F238E27FC236}">
+                <a16:creationId xmlns:a16="http://schemas.microsoft.com/office/drawing/2014/main" id="{FF031BB6-9B31-4E20-8A01-28C09A7D34BB}"/>
+              </a:ext>
+            </a:extLst>
+          </p:cNvPr>
+          <p:cNvCxnSpPr>
+            <a:cxnSpLocks/>
+          </p:cNvCxnSpPr>
+          <p:nvPr/>
+        </p:nvCxnSpPr>
+        <p:spPr>
+          <a:xfrm flipV="1">
+            <a:off x="6265435" y="5197404"/>
+            <a:ext cx="0" cy="475378"/>
+          </a:xfrm>
+          <a:prstGeom prst="line">
+            <a:avLst/>
+          </a:prstGeom>
+          <a:ln w="57150">
+            <a:solidFill>
+              <a:schemeClr val="bg2">
+                <a:lumMod val="10000"/>
+              </a:schemeClr>
+            </a:solidFill>
+          </a:ln>
+        </p:spPr>
+        <p:style>
+          <a:lnRef idx="1">
+            <a:schemeClr val="accent1"/>
+          </a:lnRef>
+          <a:fillRef idx="0">
+            <a:schemeClr val="accent1"/>
+          </a:fillRef>
+          <a:effectRef idx="0">
+            <a:schemeClr val="accent1"/>
+          </a:effectRef>
+          <a:fontRef idx="minor">
+            <a:schemeClr val="tx1"/>
+          </a:fontRef>
+        </p:style>
+      </p:cxnSp>
+      <p:sp>
+        <p:nvSpPr>
+          <p:cNvPr id="73" name="テキスト ボックス 72">
+            <a:extLst>
+              <a:ext uri="{FF2B5EF4-FFF2-40B4-BE49-F238E27FC236}">
+                <a16:creationId xmlns:a16="http://schemas.microsoft.com/office/drawing/2014/main" id="{E9C53F2E-6E8B-414F-BB79-7A09E9BFFB44}"/>
+              </a:ext>
+            </a:extLst>
+          </p:cNvPr>
+          <p:cNvSpPr txBox="1"/>
+          <p:nvPr/>
+        </p:nvSpPr>
+        <p:spPr>
+          <a:xfrm>
+            <a:off x="2014317" y="181491"/>
+            <a:ext cx="442750" cy="461665"/>
+          </a:xfrm>
+          <a:prstGeom prst="rect">
+            <a:avLst/>
+          </a:prstGeom>
+          <a:noFill/>
+        </p:spPr>
+        <p:txBody>
+          <a:bodyPr wrap="none" rtlCol="0">
+            <a:spAutoFit/>
+          </a:bodyPr>
+          <a:lstStyle/>
+          <a:p>
+            <a:r>
+              <a:rPr lang="en-US" altLang="ja-JP" sz="2400" b="1" dirty="0">
+                <a:latin typeface="Georgia" panose="02040502050405020303" pitchFamily="18" charset="0"/>
+              </a:rPr>
+              <a:t>N</a:t>
+            </a:r>
+            <a:endParaRPr kumimoji="1" lang="ja-JP" altLang="en-US" sz="2400" b="1" dirty="0">
+              <a:latin typeface="Georgia" panose="02040502050405020303" pitchFamily="18" charset="0"/>
+            </a:endParaRPr>
+          </a:p>
+        </p:txBody>
+      </p:sp>
+      <p:sp>
+        <p:nvSpPr>
+          <p:cNvPr id="74" name="テキスト ボックス 73">
+            <a:extLst>
+              <a:ext uri="{FF2B5EF4-FFF2-40B4-BE49-F238E27FC236}">
+                <a16:creationId xmlns:a16="http://schemas.microsoft.com/office/drawing/2014/main" id="{EECB81E3-29AD-478B-A332-7DA8C0C34E21}"/>
+              </a:ext>
+            </a:extLst>
+          </p:cNvPr>
+          <p:cNvSpPr txBox="1"/>
+          <p:nvPr/>
+        </p:nvSpPr>
+        <p:spPr>
+          <a:xfrm>
+            <a:off x="1452578" y="180646"/>
+            <a:ext cx="396262" cy="461665"/>
+          </a:xfrm>
+          <a:prstGeom prst="rect">
+            <a:avLst/>
+          </a:prstGeom>
+          <a:noFill/>
+        </p:spPr>
+        <p:txBody>
+          <a:bodyPr wrap="none" rtlCol="0">
+            <a:spAutoFit/>
+          </a:bodyPr>
+          <a:lstStyle/>
+          <a:p>
+            <a:r>
+              <a:rPr lang="en-US" altLang="ja-JP" sz="2400" b="1" dirty="0">
+                <a:latin typeface="Georgia" panose="02040502050405020303" pitchFamily="18" charset="0"/>
+              </a:rPr>
+              <a:t>L</a:t>
+            </a:r>
+            <a:endParaRPr kumimoji="1" lang="ja-JP" altLang="en-US" sz="2400" b="1" dirty="0">
+              <a:latin typeface="Georgia" panose="02040502050405020303" pitchFamily="18" charset="0"/>
+            </a:endParaRPr>
+          </a:p>
+        </p:txBody>
+      </p:sp>
+      <p:sp>
+        <p:nvSpPr>
+          <p:cNvPr id="77" name="楕円 76">
+            <a:extLst>
+              <a:ext uri="{FF2B5EF4-FFF2-40B4-BE49-F238E27FC236}">
+                <a16:creationId xmlns:a16="http://schemas.microsoft.com/office/drawing/2014/main" id="{10B87047-FDDC-44D7-BD56-923FD77FE4C9}"/>
+              </a:ext>
+            </a:extLst>
+          </p:cNvPr>
+          <p:cNvSpPr/>
+          <p:nvPr/>
+        </p:nvSpPr>
+        <p:spPr>
+          <a:xfrm flipV="1">
+            <a:off x="2131102" y="593777"/>
+            <a:ext cx="176092" cy="182966"/>
+          </a:xfrm>
+          <a:prstGeom prst="ellipse">
+            <a:avLst/>
+          </a:prstGeom>
+          <a:noFill/>
+          <a:ln w="28575">
+            <a:solidFill>
+              <a:schemeClr val="tx1"/>
+            </a:solidFill>
+          </a:ln>
+        </p:spPr>
+        <p:style>
+          <a:lnRef idx="2">
+            <a:schemeClr val="accent1">
+              <a:shade val="50000"/>
+            </a:schemeClr>
+          </a:lnRef>
+          <a:fillRef idx="1">
+            <a:schemeClr val="accent1"/>
+          </a:fillRef>
+          <a:effectRef idx="0">
+            <a:schemeClr val="accent1"/>
+          </a:effectRef>
+          <a:fontRef idx="minor">
+            <a:schemeClr val="lt1"/>
+          </a:fontRef>
+        </p:style>
+        <p:txBody>
+          <a:bodyPr rtlCol="0" anchor="ctr"/>
+          <a:lstStyle/>
+          <a:p>
+            <a:pPr algn="ctr"/>
+            <a:endParaRPr kumimoji="1" lang="ja-JP" altLang="en-US"/>
+          </a:p>
+        </p:txBody>
+      </p:sp>
+      <p:sp>
+        <p:nvSpPr>
+          <p:cNvPr id="78" name="楕円 77">
+            <a:extLst>
+              <a:ext uri="{FF2B5EF4-FFF2-40B4-BE49-F238E27FC236}">
+                <a16:creationId xmlns:a16="http://schemas.microsoft.com/office/drawing/2014/main" id="{56D84B5C-F9C5-4172-B459-78378B2B1B64}"/>
+              </a:ext>
+            </a:extLst>
+          </p:cNvPr>
+          <p:cNvSpPr/>
+          <p:nvPr/>
+        </p:nvSpPr>
+        <p:spPr>
+          <a:xfrm flipV="1">
+            <a:off x="1553759" y="593777"/>
+            <a:ext cx="176092" cy="182966"/>
+          </a:xfrm>
+          <a:prstGeom prst="ellipse">
+            <a:avLst/>
+          </a:prstGeom>
+          <a:noFill/>
+          <a:ln w="28575">
+            <a:solidFill>
+              <a:schemeClr val="tx1"/>
+            </a:solidFill>
+          </a:ln>
+        </p:spPr>
+        <p:style>
+          <a:lnRef idx="2">
+            <a:schemeClr val="accent1">
+              <a:shade val="50000"/>
+            </a:schemeClr>
+          </a:lnRef>
+          <a:fillRef idx="1">
+            <a:schemeClr val="accent1"/>
+          </a:fillRef>
+          <a:effectRef idx="0">
+            <a:schemeClr val="accent1"/>
+          </a:effectRef>
+          <a:fontRef idx="minor">
+            <a:schemeClr val="lt1"/>
+          </a:fontRef>
+        </p:style>
+        <p:txBody>
+          <a:bodyPr rtlCol="0" anchor="ctr"/>
+          <a:lstStyle/>
+          <a:p>
+            <a:pPr algn="ctr"/>
+            <a:endParaRPr kumimoji="1" lang="ja-JP" altLang="en-US"/>
+          </a:p>
+        </p:txBody>
+      </p:sp>
+      <p:cxnSp>
+        <p:nvCxnSpPr>
+          <p:cNvPr id="79" name="直線コネクタ 78">
+            <a:extLst>
+              <a:ext uri="{FF2B5EF4-FFF2-40B4-BE49-F238E27FC236}">
+                <a16:creationId xmlns:a16="http://schemas.microsoft.com/office/drawing/2014/main" id="{BC5401D5-7678-4649-8B9B-49BD093103D2}"/>
+              </a:ext>
+            </a:extLst>
+          </p:cNvPr>
+          <p:cNvCxnSpPr>
+            <a:cxnSpLocks/>
+            <a:endCxn id="81" idx="5"/>
+          </p:cNvCxnSpPr>
+          <p:nvPr/>
+        </p:nvCxnSpPr>
+        <p:spPr>
+          <a:xfrm flipH="1">
+            <a:off x="1720690" y="5504924"/>
+            <a:ext cx="410412" cy="194653"/>
+          </a:xfrm>
+          <a:prstGeom prst="line">
+            <a:avLst/>
+          </a:prstGeom>
+          <a:ln w="19050">
+            <a:solidFill>
+              <a:schemeClr val="bg2">
+                <a:lumMod val="10000"/>
+              </a:schemeClr>
+            </a:solidFill>
+          </a:ln>
+        </p:spPr>
+        <p:style>
+          <a:lnRef idx="1">
+            <a:schemeClr val="accent1"/>
+          </a:lnRef>
+          <a:fillRef idx="0">
+            <a:schemeClr val="accent1"/>
+          </a:fillRef>
+          <a:effectRef idx="0">
+            <a:schemeClr val="accent1"/>
+          </a:effectRef>
+          <a:fontRef idx="minor">
+            <a:schemeClr val="tx1"/>
+          </a:fontRef>
+        </p:style>
+      </p:cxnSp>
+      <p:sp>
+        <p:nvSpPr>
+          <p:cNvPr id="80" name="楕円 79">
+            <a:extLst>
+              <a:ext uri="{FF2B5EF4-FFF2-40B4-BE49-F238E27FC236}">
+                <a16:creationId xmlns:a16="http://schemas.microsoft.com/office/drawing/2014/main" id="{22EAF1D6-E379-4383-A673-809662093815}"/>
+              </a:ext>
+            </a:extLst>
+          </p:cNvPr>
+          <p:cNvSpPr/>
+          <p:nvPr/>
+        </p:nvSpPr>
+        <p:spPr>
+          <a:xfrm flipV="1">
+            <a:off x="2131102" y="5673127"/>
+            <a:ext cx="176092" cy="182966"/>
+          </a:xfrm>
+          <a:prstGeom prst="ellipse">
+            <a:avLst/>
+          </a:prstGeom>
+          <a:noFill/>
+          <a:ln w="28575">
+            <a:solidFill>
+              <a:schemeClr val="tx1"/>
+            </a:solidFill>
+          </a:ln>
+        </p:spPr>
+        <p:style>
+          <a:lnRef idx="2">
+            <a:schemeClr val="accent1">
+              <a:shade val="50000"/>
+            </a:schemeClr>
+          </a:lnRef>
+          <a:fillRef idx="1">
+            <a:schemeClr val="accent1"/>
+          </a:fillRef>
+          <a:effectRef idx="0">
+            <a:schemeClr val="accent1"/>
+          </a:effectRef>
+          <a:fontRef idx="minor">
+            <a:schemeClr val="lt1"/>
+          </a:fontRef>
+        </p:style>
+        <p:txBody>
+          <a:bodyPr rtlCol="0" anchor="ctr"/>
+          <a:lstStyle/>
+          <a:p>
+            <a:pPr algn="ctr"/>
+            <a:endParaRPr kumimoji="1" lang="ja-JP" altLang="en-US"/>
+          </a:p>
+        </p:txBody>
+      </p:sp>
+      <p:sp>
+        <p:nvSpPr>
+          <p:cNvPr id="81" name="楕円 80">
+            <a:extLst>
+              <a:ext uri="{FF2B5EF4-FFF2-40B4-BE49-F238E27FC236}">
+                <a16:creationId xmlns:a16="http://schemas.microsoft.com/office/drawing/2014/main" id="{5192406D-5415-49EF-A748-18A68EDCED06}"/>
+              </a:ext>
+            </a:extLst>
+          </p:cNvPr>
+          <p:cNvSpPr/>
+          <p:nvPr/>
+        </p:nvSpPr>
+        <p:spPr>
+          <a:xfrm flipV="1">
+            <a:off x="1570386" y="5672782"/>
+            <a:ext cx="176092" cy="182966"/>
+          </a:xfrm>
+          <a:prstGeom prst="ellipse">
+            <a:avLst/>
+          </a:prstGeom>
+          <a:noFill/>
+          <a:ln w="28575">
+            <a:solidFill>
+              <a:schemeClr val="tx1"/>
+            </a:solidFill>
+          </a:ln>
+        </p:spPr>
+        <p:style>
+          <a:lnRef idx="2">
+            <a:schemeClr val="accent1">
+              <a:shade val="50000"/>
+            </a:schemeClr>
+          </a:lnRef>
+          <a:fillRef idx="1">
+            <a:schemeClr val="accent1"/>
+          </a:fillRef>
+          <a:effectRef idx="0">
+            <a:schemeClr val="accent1"/>
+          </a:effectRef>
+          <a:fontRef idx="minor">
+            <a:schemeClr val="lt1"/>
+          </a:fontRef>
+        </p:style>
+        <p:txBody>
+          <a:bodyPr rtlCol="0" anchor="ctr"/>
+          <a:lstStyle/>
+          <a:p>
+            <a:pPr algn="ctr"/>
+            <a:endParaRPr kumimoji="1" lang="ja-JP" altLang="en-US"/>
+          </a:p>
+        </p:txBody>
+      </p:sp>
+      <p:sp>
+        <p:nvSpPr>
+          <p:cNvPr id="82" name="テキスト ボックス 81">
+            <a:extLst>
+              <a:ext uri="{FF2B5EF4-FFF2-40B4-BE49-F238E27FC236}">
+                <a16:creationId xmlns:a16="http://schemas.microsoft.com/office/drawing/2014/main" id="{56C2043B-E0CB-4863-9350-2A8DFA72F25F}"/>
+              </a:ext>
+            </a:extLst>
+          </p:cNvPr>
+          <p:cNvSpPr txBox="1"/>
+          <p:nvPr/>
+        </p:nvSpPr>
+        <p:spPr>
+          <a:xfrm>
+            <a:off x="928906" y="5514525"/>
+            <a:ext cx="492443" cy="461665"/>
+          </a:xfrm>
+          <a:prstGeom prst="rect">
+            <a:avLst/>
+          </a:prstGeom>
+          <a:noFill/>
+        </p:spPr>
+        <p:txBody>
+          <a:bodyPr wrap="none" rtlCol="0">
+            <a:spAutoFit/>
+          </a:bodyPr>
+          <a:lstStyle/>
+          <a:p>
+            <a:r>
+              <a:rPr kumimoji="1" lang="ja-JP" altLang="en-US" sz="2400" b="1" dirty="0">
+                <a:latin typeface="Georgia" panose="02040502050405020303" pitchFamily="18" charset="0"/>
+              </a:rPr>
+              <a:t>イ</a:t>
+            </a:r>
+          </a:p>
+        </p:txBody>
+      </p:sp>
+      <p:sp>
+        <p:nvSpPr>
+          <p:cNvPr id="25" name="楕円 24">
+            <a:extLst>
+              <a:ext uri="{FF2B5EF4-FFF2-40B4-BE49-F238E27FC236}">
+                <a16:creationId xmlns:a16="http://schemas.microsoft.com/office/drawing/2014/main" id="{3D4BD693-5DBE-459D-89DC-9CF07C57D782}"/>
+              </a:ext>
+            </a:extLst>
+          </p:cNvPr>
+          <p:cNvSpPr/>
+          <p:nvPr/>
+        </p:nvSpPr>
+        <p:spPr>
+          <a:xfrm>
+            <a:off x="4748967" y="1491769"/>
+            <a:ext cx="2667209" cy="2738509"/>
+          </a:xfrm>
+          <a:prstGeom prst="ellipse">
+            <a:avLst/>
+          </a:prstGeom>
+          <a:solidFill>
+            <a:schemeClr val="bg1"/>
+          </a:solidFill>
+          <a:ln w="28575">
+            <a:solidFill>
+              <a:schemeClr val="bg2">
+                <a:lumMod val="10000"/>
+              </a:schemeClr>
+            </a:solidFill>
+            <a:prstDash val="dash"/>
+          </a:ln>
+        </p:spPr>
+        <p:style>
+          <a:lnRef idx="2">
+            <a:schemeClr val="accent1">
+              <a:shade val="50000"/>
+            </a:schemeClr>
+          </a:lnRef>
+          <a:fillRef idx="1">
+            <a:schemeClr val="accent1"/>
+          </a:fillRef>
+          <a:effectRef idx="0">
+            <a:schemeClr val="accent1"/>
+          </a:effectRef>
+          <a:fontRef idx="minor">
+            <a:schemeClr val="lt1"/>
+          </a:fontRef>
+        </p:style>
+        <p:txBody>
+          <a:bodyPr rtlCol="0" anchor="ctr"/>
+          <a:lstStyle/>
+          <a:p>
+            <a:pPr algn="ctr"/>
+            <a:endParaRPr kumimoji="1" lang="ja-JP" altLang="en-US"/>
+          </a:p>
+        </p:txBody>
+      </p:sp>
+      <p:sp>
+        <p:nvSpPr>
+          <p:cNvPr id="32" name="正方形/長方形 31">
+            <a:extLst>
+              <a:ext uri="{FF2B5EF4-FFF2-40B4-BE49-F238E27FC236}">
+                <a16:creationId xmlns:a16="http://schemas.microsoft.com/office/drawing/2014/main" id="{D2FB6698-F278-4CC2-BCD9-9EDA30F3047E}"/>
+              </a:ext>
+            </a:extLst>
+          </p:cNvPr>
+          <p:cNvSpPr/>
+          <p:nvPr/>
+        </p:nvSpPr>
+        <p:spPr>
+          <a:xfrm>
+            <a:off x="8975575" y="1522092"/>
+            <a:ext cx="516065" cy="1178355"/>
+          </a:xfrm>
+          <a:prstGeom prst="rect">
+            <a:avLst/>
+          </a:prstGeom>
+          <a:noFill/>
+          <a:ln w="28575">
+            <a:solidFill>
+              <a:schemeClr val="tx1"/>
+            </a:solidFill>
+          </a:ln>
+        </p:spPr>
+        <p:style>
+          <a:lnRef idx="2">
+            <a:schemeClr val="accent1">
+              <a:shade val="50000"/>
+            </a:schemeClr>
+          </a:lnRef>
+          <a:fillRef idx="1">
+            <a:schemeClr val="accent1"/>
+          </a:fillRef>
+          <a:effectRef idx="0">
+            <a:schemeClr val="accent1"/>
+          </a:effectRef>
+          <a:fontRef idx="minor">
+            <a:schemeClr val="lt1"/>
+          </a:fontRef>
+        </p:style>
+        <p:txBody>
+          <a:bodyPr rtlCol="0" anchor="ctr"/>
+          <a:lstStyle/>
+          <a:p>
+            <a:pPr algn="ctr"/>
+            <a:endParaRPr kumimoji="1" lang="ja-JP" altLang="en-US"/>
+          </a:p>
+        </p:txBody>
+      </p:sp>
+      <p:sp>
+        <p:nvSpPr>
+          <p:cNvPr id="33" name="テキスト ボックス 32">
+            <a:extLst>
+              <a:ext uri="{FF2B5EF4-FFF2-40B4-BE49-F238E27FC236}">
+                <a16:creationId xmlns:a16="http://schemas.microsoft.com/office/drawing/2014/main" id="{C6EB471E-02A2-40D5-968D-02F971426AC6}"/>
+              </a:ext>
+            </a:extLst>
+          </p:cNvPr>
+          <p:cNvSpPr txBox="1"/>
+          <p:nvPr/>
+        </p:nvSpPr>
+        <p:spPr>
+          <a:xfrm>
+            <a:off x="8999197" y="2801786"/>
+            <a:ext cx="492443" cy="461665"/>
+          </a:xfrm>
+          <a:prstGeom prst="rect">
+            <a:avLst/>
+          </a:prstGeom>
+          <a:noFill/>
+        </p:spPr>
+        <p:txBody>
+          <a:bodyPr wrap="none" rtlCol="0">
+            <a:spAutoFit/>
+          </a:bodyPr>
+          <a:lstStyle/>
+          <a:p>
+            <a:r>
+              <a:rPr lang="ja-JP" altLang="en-US" sz="2400" b="1" dirty="0">
+                <a:latin typeface="Georgia" panose="02040502050405020303" pitchFamily="18" charset="0"/>
+              </a:rPr>
+              <a:t>ロ</a:t>
+            </a:r>
+            <a:endParaRPr lang="en-US" altLang="ja-JP" sz="2400" b="1" dirty="0">
+              <a:latin typeface="Georgia" panose="02040502050405020303" pitchFamily="18" charset="0"/>
+            </a:endParaRPr>
+          </a:p>
+        </p:txBody>
+      </p:sp>
+      <p:sp>
+        <p:nvSpPr>
+          <p:cNvPr id="34" name="楕円 33">
+            <a:extLst>
+              <a:ext uri="{FF2B5EF4-FFF2-40B4-BE49-F238E27FC236}">
+                <a16:creationId xmlns:a16="http://schemas.microsoft.com/office/drawing/2014/main" id="{23BBBC54-0CE6-4609-B0FB-819E0766770E}"/>
+              </a:ext>
+            </a:extLst>
+          </p:cNvPr>
+          <p:cNvSpPr/>
+          <p:nvPr/>
+        </p:nvSpPr>
+        <p:spPr>
+          <a:xfrm flipV="1">
+            <a:off x="9145562" y="2023694"/>
+            <a:ext cx="176092" cy="182966"/>
+          </a:xfrm>
+          <a:prstGeom prst="ellipse">
+            <a:avLst/>
+          </a:prstGeom>
+          <a:noFill/>
+          <a:ln w="28575">
+            <a:solidFill>
+              <a:schemeClr val="tx1"/>
+            </a:solidFill>
+          </a:ln>
+        </p:spPr>
+        <p:style>
+          <a:lnRef idx="2">
+            <a:schemeClr val="accent1">
+              <a:shade val="50000"/>
+            </a:schemeClr>
+          </a:lnRef>
+          <a:fillRef idx="1">
+            <a:schemeClr val="accent1"/>
+          </a:fillRef>
+          <a:effectRef idx="0">
+            <a:schemeClr val="accent1"/>
+          </a:effectRef>
+          <a:fontRef idx="minor">
+            <a:schemeClr val="lt1"/>
+          </a:fontRef>
+        </p:style>
+        <p:txBody>
+          <a:bodyPr rtlCol="0" anchor="ctr"/>
+          <a:lstStyle/>
+          <a:p>
+            <a:pPr algn="ctr"/>
+            <a:endParaRPr kumimoji="1" lang="ja-JP" altLang="en-US"/>
+          </a:p>
+        </p:txBody>
+      </p:sp>
+      <p:sp>
+        <p:nvSpPr>
+          <p:cNvPr id="35" name="楕円 34">
+            <a:extLst>
+              <a:ext uri="{FF2B5EF4-FFF2-40B4-BE49-F238E27FC236}">
+                <a16:creationId xmlns:a16="http://schemas.microsoft.com/office/drawing/2014/main" id="{AEB1F8C7-3146-4528-BCF8-156478D2B52E}"/>
+              </a:ext>
+            </a:extLst>
+          </p:cNvPr>
+          <p:cNvSpPr/>
+          <p:nvPr/>
+        </p:nvSpPr>
+        <p:spPr>
+          <a:xfrm flipV="1">
+            <a:off x="9137659" y="1651849"/>
+            <a:ext cx="176092" cy="182966"/>
+          </a:xfrm>
+          <a:prstGeom prst="ellipse">
+            <a:avLst/>
+          </a:prstGeom>
+          <a:noFill/>
+          <a:ln w="28575">
+            <a:solidFill>
+              <a:schemeClr val="tx1"/>
+            </a:solidFill>
+          </a:ln>
+        </p:spPr>
+        <p:style>
+          <a:lnRef idx="2">
+            <a:schemeClr val="accent1">
+              <a:shade val="50000"/>
+            </a:schemeClr>
+          </a:lnRef>
+          <a:fillRef idx="1">
+            <a:schemeClr val="accent1"/>
+          </a:fillRef>
+          <a:effectRef idx="0">
+            <a:schemeClr val="accent1"/>
+          </a:effectRef>
+          <a:fontRef idx="minor">
+            <a:schemeClr val="lt1"/>
+          </a:fontRef>
+        </p:style>
+        <p:txBody>
+          <a:bodyPr rtlCol="0" anchor="ctr"/>
+          <a:lstStyle/>
+          <a:p>
+            <a:pPr algn="ctr"/>
+            <a:endParaRPr kumimoji="1" lang="ja-JP" altLang="en-US"/>
+          </a:p>
+        </p:txBody>
+      </p:sp>
+      <p:sp>
+        <p:nvSpPr>
+          <p:cNvPr id="36" name="楕円 35">
+            <a:extLst>
+              <a:ext uri="{FF2B5EF4-FFF2-40B4-BE49-F238E27FC236}">
+                <a16:creationId xmlns:a16="http://schemas.microsoft.com/office/drawing/2014/main" id="{1E050D45-3962-4773-97ED-41B2DA91E11A}"/>
+              </a:ext>
+            </a:extLst>
+          </p:cNvPr>
+          <p:cNvSpPr/>
+          <p:nvPr/>
+        </p:nvSpPr>
+        <p:spPr>
+          <a:xfrm flipV="1">
+            <a:off x="9145562" y="2336416"/>
+            <a:ext cx="176092" cy="182966"/>
+          </a:xfrm>
+          <a:prstGeom prst="ellipse">
+            <a:avLst/>
+          </a:prstGeom>
+          <a:noFill/>
+          <a:ln w="28575">
+            <a:solidFill>
+              <a:schemeClr val="tx1"/>
+            </a:solidFill>
+          </a:ln>
+        </p:spPr>
+        <p:style>
+          <a:lnRef idx="2">
+            <a:schemeClr val="accent1">
+              <a:shade val="50000"/>
+            </a:schemeClr>
+          </a:lnRef>
+          <a:fillRef idx="1">
+            <a:schemeClr val="accent1"/>
+          </a:fillRef>
+          <a:effectRef idx="0">
+            <a:schemeClr val="accent1"/>
+          </a:effectRef>
+          <a:fontRef idx="minor">
+            <a:schemeClr val="lt1"/>
+          </a:fontRef>
+        </p:style>
+        <p:txBody>
+          <a:bodyPr rtlCol="0" anchor="ctr"/>
+          <a:lstStyle/>
+          <a:p>
+            <a:pPr algn="ctr"/>
+            <a:endParaRPr kumimoji="1" lang="ja-JP" altLang="en-US"/>
+          </a:p>
+        </p:txBody>
+      </p:sp>
+      <p:sp>
+        <p:nvSpPr>
+          <p:cNvPr id="39" name="テキスト ボックス 38">
+            <a:extLst>
+              <a:ext uri="{FF2B5EF4-FFF2-40B4-BE49-F238E27FC236}">
+                <a16:creationId xmlns:a16="http://schemas.microsoft.com/office/drawing/2014/main" id="{ACF9DCDD-5AEB-4448-9477-B7555A892126}"/>
+              </a:ext>
+            </a:extLst>
+          </p:cNvPr>
+          <p:cNvSpPr txBox="1"/>
+          <p:nvPr/>
+        </p:nvSpPr>
+        <p:spPr>
+          <a:xfrm>
+            <a:off x="9491640" y="1465526"/>
+            <a:ext cx="377026" cy="1200329"/>
+          </a:xfrm>
+          <a:prstGeom prst="rect">
+            <a:avLst/>
+          </a:prstGeom>
+          <a:noFill/>
+        </p:spPr>
+        <p:txBody>
+          <a:bodyPr wrap="none" rtlCol="0">
+            <a:spAutoFit/>
+          </a:bodyPr>
+          <a:lstStyle/>
+          <a:p>
+            <a:r>
+              <a:rPr lang="en-US" altLang="ja-JP" sz="2400" b="1" dirty="0">
+                <a:latin typeface="Georgia" panose="02040502050405020303" pitchFamily="18" charset="0"/>
+              </a:rPr>
+              <a:t>1</a:t>
+            </a:r>
+          </a:p>
+          <a:p>
+            <a:r>
+              <a:rPr lang="en-US" altLang="ja-JP" sz="2400" b="1" dirty="0">
+                <a:latin typeface="Georgia" panose="02040502050405020303" pitchFamily="18" charset="0"/>
+              </a:rPr>
+              <a:t>2</a:t>
+            </a:r>
+          </a:p>
+          <a:p>
+            <a:r>
+              <a:rPr lang="en-US" altLang="ja-JP" sz="2400" b="1" dirty="0">
+                <a:latin typeface="Georgia" panose="02040502050405020303" pitchFamily="18" charset="0"/>
+              </a:rPr>
+              <a:t>3</a:t>
+            </a:r>
+          </a:p>
+        </p:txBody>
+      </p:sp>
+      <p:sp>
+        <p:nvSpPr>
+          <p:cNvPr id="40" name="楕円 39">
+            <a:extLst>
+              <a:ext uri="{FF2B5EF4-FFF2-40B4-BE49-F238E27FC236}">
+                <a16:creationId xmlns:a16="http://schemas.microsoft.com/office/drawing/2014/main" id="{098463E8-8476-4E91-9DAC-AF5FEC2E255D}"/>
+              </a:ext>
+            </a:extLst>
+          </p:cNvPr>
+          <p:cNvSpPr/>
+          <p:nvPr/>
+        </p:nvSpPr>
+        <p:spPr>
+          <a:xfrm>
+            <a:off x="7612115" y="5164020"/>
+            <a:ext cx="786798" cy="736573"/>
+          </a:xfrm>
+          <a:prstGeom prst="ellipse">
+            <a:avLst/>
+          </a:prstGeom>
+          <a:solidFill>
+            <a:schemeClr val="bg1"/>
+          </a:solidFill>
+          <a:ln w="38100">
+            <a:solidFill>
+              <a:schemeClr val="bg2">
+                <a:lumMod val="10000"/>
+              </a:schemeClr>
+            </a:solidFill>
+          </a:ln>
+        </p:spPr>
+        <p:style>
+          <a:lnRef idx="2">
+            <a:schemeClr val="accent1">
+              <a:shade val="50000"/>
+            </a:schemeClr>
+          </a:lnRef>
+          <a:fillRef idx="1">
+            <a:schemeClr val="accent1"/>
+          </a:fillRef>
+          <a:effectRef idx="0">
+            <a:schemeClr val="accent1"/>
+          </a:effectRef>
+          <a:fontRef idx="minor">
+            <a:schemeClr val="lt1"/>
+          </a:fontRef>
+        </p:style>
+        <p:txBody>
+          <a:bodyPr rtlCol="0" anchor="ctr"/>
+          <a:lstStyle/>
+          <a:p>
+            <a:pPr algn="ctr"/>
+            <a:endParaRPr kumimoji="1" lang="ja-JP" altLang="en-US"/>
+          </a:p>
+        </p:txBody>
+      </p:sp>
+      <p:cxnSp>
+        <p:nvCxnSpPr>
+          <p:cNvPr id="42" name="直線コネクタ 41">
+            <a:extLst>
+              <a:ext uri="{FF2B5EF4-FFF2-40B4-BE49-F238E27FC236}">
+                <a16:creationId xmlns:a16="http://schemas.microsoft.com/office/drawing/2014/main" id="{B480CAAA-1924-4311-95A4-EFCDD5E03881}"/>
+              </a:ext>
+            </a:extLst>
+          </p:cNvPr>
+          <p:cNvCxnSpPr>
+            <a:cxnSpLocks/>
+            <a:stCxn id="47" idx="1"/>
+          </p:cNvCxnSpPr>
+          <p:nvPr/>
+        </p:nvCxnSpPr>
+        <p:spPr>
+          <a:xfrm flipH="1" flipV="1">
+            <a:off x="7753632" y="5248526"/>
+            <a:ext cx="73774" cy="118656"/>
+          </a:xfrm>
+          <a:prstGeom prst="line">
+            <a:avLst/>
+          </a:prstGeom>
+          <a:ln w="57150">
+            <a:solidFill>
+              <a:schemeClr val="bg2">
+                <a:lumMod val="10000"/>
+              </a:schemeClr>
+            </a:solidFill>
+          </a:ln>
+        </p:spPr>
+        <p:style>
+          <a:lnRef idx="1">
+            <a:schemeClr val="accent1"/>
+          </a:lnRef>
+          <a:fillRef idx="0">
+            <a:schemeClr val="accent1"/>
+          </a:fillRef>
+          <a:effectRef idx="0">
+            <a:schemeClr val="accent1"/>
+          </a:effectRef>
+          <a:fontRef idx="minor">
+            <a:schemeClr val="tx1"/>
+          </a:fontRef>
+        </p:style>
+      </p:cxnSp>
+      <p:sp>
+        <p:nvSpPr>
+          <p:cNvPr id="47" name="楕円 46">
+            <a:extLst>
+              <a:ext uri="{FF2B5EF4-FFF2-40B4-BE49-F238E27FC236}">
+                <a16:creationId xmlns:a16="http://schemas.microsoft.com/office/drawing/2014/main" id="{7A3CAFB5-1E41-4075-98E4-F1C5148D8237}"/>
+              </a:ext>
+            </a:extLst>
+          </p:cNvPr>
+          <p:cNvSpPr/>
+          <p:nvPr/>
+        </p:nvSpPr>
+        <p:spPr>
+          <a:xfrm>
+            <a:off x="7753632" y="5298786"/>
+            <a:ext cx="503763" cy="467040"/>
+          </a:xfrm>
+          <a:prstGeom prst="ellipse">
+            <a:avLst/>
+          </a:prstGeom>
+          <a:solidFill>
+            <a:schemeClr val="bg1"/>
+          </a:solidFill>
+          <a:ln w="38100">
+            <a:solidFill>
+              <a:schemeClr val="bg2">
+                <a:lumMod val="10000"/>
+              </a:schemeClr>
+            </a:solidFill>
+          </a:ln>
+        </p:spPr>
+        <p:style>
+          <a:lnRef idx="2">
+            <a:schemeClr val="accent1">
+              <a:shade val="50000"/>
+            </a:schemeClr>
+          </a:lnRef>
+          <a:fillRef idx="1">
+            <a:schemeClr val="accent1"/>
+          </a:fillRef>
+          <a:effectRef idx="0">
+            <a:schemeClr val="accent1"/>
+          </a:effectRef>
+          <a:fontRef idx="minor">
+            <a:schemeClr val="lt1"/>
+          </a:fontRef>
+        </p:style>
+        <p:txBody>
+          <a:bodyPr rtlCol="0" anchor="ctr"/>
+          <a:lstStyle/>
+          <a:p>
+            <a:pPr algn="ctr"/>
+            <a:endParaRPr kumimoji="1" lang="ja-JP" altLang="en-US"/>
+          </a:p>
+        </p:txBody>
+      </p:sp>
+      <p:cxnSp>
+        <p:nvCxnSpPr>
+          <p:cNvPr id="51" name="直線コネクタ 50">
+            <a:extLst>
+              <a:ext uri="{FF2B5EF4-FFF2-40B4-BE49-F238E27FC236}">
+                <a16:creationId xmlns:a16="http://schemas.microsoft.com/office/drawing/2014/main" id="{83790CAA-C38A-46B2-87FF-E2EAEB90F066}"/>
+              </a:ext>
+            </a:extLst>
+          </p:cNvPr>
+          <p:cNvCxnSpPr>
+            <a:cxnSpLocks/>
+          </p:cNvCxnSpPr>
+          <p:nvPr/>
+        </p:nvCxnSpPr>
+        <p:spPr>
+          <a:xfrm flipH="1" flipV="1">
+            <a:off x="8085144" y="5768570"/>
+            <a:ext cx="73774" cy="118656"/>
+          </a:xfrm>
+          <a:prstGeom prst="line">
+            <a:avLst/>
+          </a:prstGeom>
+          <a:ln w="57150">
+            <a:solidFill>
+              <a:schemeClr val="bg2">
+                <a:lumMod val="10000"/>
+              </a:schemeClr>
+            </a:solidFill>
+          </a:ln>
+        </p:spPr>
+        <p:style>
+          <a:lnRef idx="1">
+            <a:schemeClr val="accent1"/>
+          </a:lnRef>
+          <a:fillRef idx="0">
+            <a:schemeClr val="accent1"/>
+          </a:fillRef>
+          <a:effectRef idx="0">
+            <a:schemeClr val="accent1"/>
+          </a:effectRef>
+          <a:fontRef idx="minor">
+            <a:schemeClr val="tx1"/>
+          </a:fontRef>
+        </p:style>
+      </p:cxnSp>
+      <p:cxnSp>
+        <p:nvCxnSpPr>
+          <p:cNvPr id="53" name="直線コネクタ 52">
+            <a:extLst>
+              <a:ext uri="{FF2B5EF4-FFF2-40B4-BE49-F238E27FC236}">
+                <a16:creationId xmlns:a16="http://schemas.microsoft.com/office/drawing/2014/main" id="{2B6241F5-F10B-4CD3-B877-BE960EEA4069}"/>
+              </a:ext>
+            </a:extLst>
+          </p:cNvPr>
+          <p:cNvCxnSpPr>
+            <a:cxnSpLocks/>
+            <a:endCxn id="40" idx="7"/>
+          </p:cNvCxnSpPr>
+          <p:nvPr/>
+        </p:nvCxnSpPr>
+        <p:spPr>
+          <a:xfrm flipV="1">
+            <a:off x="8158918" y="5271889"/>
+            <a:ext cx="124771" cy="77916"/>
+          </a:xfrm>
+          <a:prstGeom prst="line">
+            <a:avLst/>
+          </a:prstGeom>
+          <a:ln w="57150">
+            <a:solidFill>
+              <a:schemeClr val="bg2">
+                <a:lumMod val="10000"/>
+              </a:schemeClr>
+            </a:solidFill>
+          </a:ln>
+        </p:spPr>
+        <p:style>
+          <a:lnRef idx="1">
+            <a:schemeClr val="accent1"/>
+          </a:lnRef>
+          <a:fillRef idx="0">
+            <a:schemeClr val="accent1"/>
+          </a:fillRef>
+          <a:effectRef idx="0">
+            <a:schemeClr val="accent1"/>
+          </a:effectRef>
+          <a:fontRef idx="minor">
+            <a:schemeClr val="tx1"/>
+          </a:fontRef>
+        </p:style>
+      </p:cxnSp>
+      <p:cxnSp>
+        <p:nvCxnSpPr>
+          <p:cNvPr id="54" name="直線コネクタ 53">
+            <a:extLst>
+              <a:ext uri="{FF2B5EF4-FFF2-40B4-BE49-F238E27FC236}">
+                <a16:creationId xmlns:a16="http://schemas.microsoft.com/office/drawing/2014/main" id="{CF694DA5-5726-4E71-A00A-B0D8F2C679A1}"/>
+              </a:ext>
+            </a:extLst>
+          </p:cNvPr>
+          <p:cNvCxnSpPr>
+            <a:cxnSpLocks/>
+            <a:endCxn id="47" idx="3"/>
+          </p:cNvCxnSpPr>
+          <p:nvPr/>
+        </p:nvCxnSpPr>
+        <p:spPr>
+          <a:xfrm flipV="1">
+            <a:off x="7690276" y="5697430"/>
+            <a:ext cx="137130" cy="69770"/>
+          </a:xfrm>
+          <a:prstGeom prst="line">
+            <a:avLst/>
+          </a:prstGeom>
+          <a:ln w="57150">
+            <a:solidFill>
+              <a:schemeClr val="bg2">
+                <a:lumMod val="10000"/>
+              </a:schemeClr>
+            </a:solidFill>
+          </a:ln>
+        </p:spPr>
+        <p:style>
+          <a:lnRef idx="1">
+            <a:schemeClr val="accent1"/>
+          </a:lnRef>
+          <a:fillRef idx="0">
+            <a:schemeClr val="accent1"/>
+          </a:fillRef>
+          <a:effectRef idx="0">
+            <a:schemeClr val="accent1"/>
+          </a:effectRef>
+          <a:fontRef idx="minor">
+            <a:schemeClr val="tx1"/>
+          </a:fontRef>
+        </p:style>
+      </p:cxnSp>
+      <p:sp>
+        <p:nvSpPr>
+          <p:cNvPr id="55" name="テキスト ボックス 54">
+            <a:extLst>
+              <a:ext uri="{FF2B5EF4-FFF2-40B4-BE49-F238E27FC236}">
+                <a16:creationId xmlns:a16="http://schemas.microsoft.com/office/drawing/2014/main" id="{2A6A7410-03FA-4CEC-BF72-0E9A2C9725C2}"/>
+              </a:ext>
+            </a:extLst>
+          </p:cNvPr>
+          <p:cNvSpPr txBox="1"/>
+          <p:nvPr/>
+        </p:nvSpPr>
+        <p:spPr>
+          <a:xfrm>
+            <a:off x="8410429" y="5533432"/>
+            <a:ext cx="492443" cy="461665"/>
+          </a:xfrm>
+          <a:prstGeom prst="rect">
+            <a:avLst/>
+          </a:prstGeom>
+          <a:noFill/>
+        </p:spPr>
+        <p:txBody>
+          <a:bodyPr wrap="none" rtlCol="0">
+            <a:spAutoFit/>
+          </a:bodyPr>
+          <a:lstStyle/>
+          <a:p>
+            <a:r>
+              <a:rPr lang="ja-JP" altLang="en-US" sz="2400" b="1" dirty="0">
+                <a:latin typeface="Georgia" panose="02040502050405020303" pitchFamily="18" charset="0"/>
+              </a:rPr>
+              <a:t>ロ</a:t>
+            </a:r>
+            <a:endParaRPr lang="en-US" altLang="ja-JP" sz="2400" b="1" dirty="0">
+              <a:latin typeface="Georgia" panose="02040502050405020303" pitchFamily="18" charset="0"/>
+            </a:endParaRPr>
+          </a:p>
+        </p:txBody>
+      </p:sp>
+      <p:cxnSp>
+        <p:nvCxnSpPr>
+          <p:cNvPr id="56" name="直線コネクタ 55">
+            <a:extLst>
+              <a:ext uri="{FF2B5EF4-FFF2-40B4-BE49-F238E27FC236}">
+                <a16:creationId xmlns:a16="http://schemas.microsoft.com/office/drawing/2014/main" id="{734279FA-55BC-4770-8F38-2EE5D53DC98F}"/>
+              </a:ext>
+            </a:extLst>
+          </p:cNvPr>
+          <p:cNvCxnSpPr>
+            <a:cxnSpLocks/>
+          </p:cNvCxnSpPr>
+          <p:nvPr/>
+        </p:nvCxnSpPr>
+        <p:spPr>
+          <a:xfrm flipV="1">
+            <a:off x="2196101" y="776743"/>
+            <a:ext cx="1" cy="1315997"/>
+          </a:xfrm>
+          <a:prstGeom prst="line">
+            <a:avLst/>
+          </a:prstGeom>
+          <a:ln w="57150">
+            <a:solidFill>
+              <a:schemeClr val="accent1">
+                <a:lumMod val="60000"/>
+                <a:lumOff val="40000"/>
+              </a:schemeClr>
+            </a:solidFill>
+          </a:ln>
+        </p:spPr>
+        <p:style>
+          <a:lnRef idx="1">
+            <a:schemeClr val="accent1"/>
+          </a:lnRef>
+          <a:fillRef idx="0">
+            <a:schemeClr val="accent1"/>
+          </a:fillRef>
+          <a:effectRef idx="0">
+            <a:schemeClr val="accent1"/>
+          </a:effectRef>
+          <a:fontRef idx="minor">
+            <a:schemeClr val="tx1"/>
+          </a:fontRef>
+        </p:style>
+      </p:cxnSp>
+      <p:cxnSp>
+        <p:nvCxnSpPr>
+          <p:cNvPr id="57" name="直線コネクタ 56">
+            <a:extLst>
+              <a:ext uri="{FF2B5EF4-FFF2-40B4-BE49-F238E27FC236}">
+                <a16:creationId xmlns:a16="http://schemas.microsoft.com/office/drawing/2014/main" id="{246A6FC6-E042-484E-8F97-E0E5291C04F2}"/>
+              </a:ext>
+            </a:extLst>
+          </p:cNvPr>
+          <p:cNvCxnSpPr>
+            <a:cxnSpLocks/>
+            <a:endCxn id="34" idx="2"/>
+          </p:cNvCxnSpPr>
+          <p:nvPr/>
+        </p:nvCxnSpPr>
+        <p:spPr>
+          <a:xfrm>
+            <a:off x="2196101" y="2083649"/>
+            <a:ext cx="6949461" cy="31528"/>
+          </a:xfrm>
+          <a:prstGeom prst="line">
+            <a:avLst/>
+          </a:prstGeom>
+          <a:ln w="57150">
+            <a:solidFill>
+              <a:schemeClr val="accent1">
+                <a:lumMod val="60000"/>
+                <a:lumOff val="40000"/>
+              </a:schemeClr>
+            </a:solidFill>
+          </a:ln>
+        </p:spPr>
+        <p:style>
+          <a:lnRef idx="1">
+            <a:schemeClr val="accent1"/>
+          </a:lnRef>
+          <a:fillRef idx="0">
+            <a:schemeClr val="accent1"/>
+          </a:fillRef>
+          <a:effectRef idx="0">
+            <a:schemeClr val="accent1"/>
+          </a:effectRef>
+          <a:fontRef idx="minor">
+            <a:schemeClr val="tx1"/>
+          </a:fontRef>
+        </p:style>
+      </p:cxnSp>
+      <p:cxnSp>
+        <p:nvCxnSpPr>
+          <p:cNvPr id="60" name="直線コネクタ 59">
+            <a:extLst>
+              <a:ext uri="{FF2B5EF4-FFF2-40B4-BE49-F238E27FC236}">
+                <a16:creationId xmlns:a16="http://schemas.microsoft.com/office/drawing/2014/main" id="{DBC20343-83A7-497C-BAEC-B1FD8805CA5C}"/>
+              </a:ext>
+            </a:extLst>
+          </p:cNvPr>
+          <p:cNvCxnSpPr>
+            <a:cxnSpLocks/>
+            <a:stCxn id="48" idx="1"/>
+            <a:endCxn id="44" idx="3"/>
+          </p:cNvCxnSpPr>
+          <p:nvPr/>
+        </p:nvCxnSpPr>
+        <p:spPr>
+          <a:xfrm flipV="1">
+            <a:off x="5821553" y="783067"/>
+            <a:ext cx="0" cy="4488822"/>
+          </a:xfrm>
+          <a:prstGeom prst="line">
+            <a:avLst/>
+          </a:prstGeom>
+          <a:ln w="57150">
+            <a:solidFill>
+              <a:schemeClr val="accent1">
+                <a:lumMod val="60000"/>
+                <a:lumOff val="40000"/>
+              </a:schemeClr>
+            </a:solidFill>
+          </a:ln>
+        </p:spPr>
+        <p:style>
+          <a:lnRef idx="1">
+            <a:schemeClr val="accent1"/>
+          </a:lnRef>
+          <a:fillRef idx="0">
+            <a:schemeClr val="accent1"/>
+          </a:fillRef>
+          <a:effectRef idx="0">
+            <a:schemeClr val="accent1"/>
+          </a:effectRef>
+          <a:fontRef idx="minor">
+            <a:schemeClr val="tx1"/>
+          </a:fontRef>
+        </p:style>
+      </p:cxnSp>
+      <p:cxnSp>
+        <p:nvCxnSpPr>
+          <p:cNvPr id="66" name="直線コネクタ 65">
+            <a:extLst>
+              <a:ext uri="{FF2B5EF4-FFF2-40B4-BE49-F238E27FC236}">
+                <a16:creationId xmlns:a16="http://schemas.microsoft.com/office/drawing/2014/main" id="{5A2A4AC7-D11B-46E4-B2AD-C5B5106AAA69}"/>
+              </a:ext>
+            </a:extLst>
+          </p:cNvPr>
+          <p:cNvCxnSpPr>
+            <a:cxnSpLocks/>
+          </p:cNvCxnSpPr>
+          <p:nvPr/>
+        </p:nvCxnSpPr>
+        <p:spPr>
+          <a:xfrm flipV="1">
+            <a:off x="7753632" y="2136889"/>
+            <a:ext cx="1384027" cy="1163051"/>
+          </a:xfrm>
+          <a:prstGeom prst="line">
+            <a:avLst/>
+          </a:prstGeom>
+          <a:ln w="57150">
+            <a:solidFill>
+              <a:schemeClr val="accent1">
+                <a:lumMod val="60000"/>
+                <a:lumOff val="40000"/>
+              </a:schemeClr>
+            </a:solidFill>
+          </a:ln>
+        </p:spPr>
+        <p:style>
+          <a:lnRef idx="1">
+            <a:schemeClr val="accent1"/>
+          </a:lnRef>
+          <a:fillRef idx="0">
+            <a:schemeClr val="accent1"/>
+          </a:fillRef>
+          <a:effectRef idx="0">
+            <a:schemeClr val="accent1"/>
+          </a:effectRef>
+          <a:fontRef idx="minor">
+            <a:schemeClr val="tx1"/>
+          </a:fontRef>
+        </p:style>
+      </p:cxnSp>
+      <p:cxnSp>
+        <p:nvCxnSpPr>
+          <p:cNvPr id="70" name="直線コネクタ 69">
+            <a:extLst>
+              <a:ext uri="{FF2B5EF4-FFF2-40B4-BE49-F238E27FC236}">
+                <a16:creationId xmlns:a16="http://schemas.microsoft.com/office/drawing/2014/main" id="{519DC30F-D2A6-4E8B-991C-4D8F341BB96A}"/>
+              </a:ext>
+            </a:extLst>
+          </p:cNvPr>
+          <p:cNvCxnSpPr>
+            <a:cxnSpLocks/>
+            <a:stCxn id="40" idx="1"/>
+          </p:cNvCxnSpPr>
+          <p:nvPr/>
+        </p:nvCxnSpPr>
+        <p:spPr>
+          <a:xfrm flipV="1">
+            <a:off x="7727339" y="3299581"/>
+            <a:ext cx="27136" cy="1972308"/>
+          </a:xfrm>
+          <a:prstGeom prst="line">
+            <a:avLst/>
+          </a:prstGeom>
+          <a:ln w="57150">
+            <a:solidFill>
+              <a:schemeClr val="accent1">
+                <a:lumMod val="60000"/>
+                <a:lumOff val="40000"/>
+              </a:schemeClr>
+            </a:solidFill>
+          </a:ln>
+        </p:spPr>
+        <p:style>
+          <a:lnRef idx="1">
+            <a:schemeClr val="accent1"/>
+          </a:lnRef>
+          <a:fillRef idx="0">
+            <a:schemeClr val="accent1"/>
+          </a:fillRef>
+          <a:effectRef idx="0">
+            <a:schemeClr val="accent1"/>
+          </a:effectRef>
+          <a:fontRef idx="minor">
+            <a:schemeClr val="tx1"/>
+          </a:fontRef>
+        </p:style>
+      </p:cxnSp>
+      <p:sp>
+        <p:nvSpPr>
+          <p:cNvPr id="75" name="楕円 74">
+            <a:extLst>
+              <a:ext uri="{FF2B5EF4-FFF2-40B4-BE49-F238E27FC236}">
+                <a16:creationId xmlns:a16="http://schemas.microsoft.com/office/drawing/2014/main" id="{A7C2D10E-4F39-4586-8D3A-E548C25DD3A9}"/>
+              </a:ext>
+            </a:extLst>
+          </p:cNvPr>
+          <p:cNvSpPr/>
+          <p:nvPr/>
+        </p:nvSpPr>
+        <p:spPr>
+          <a:xfrm flipV="1">
+            <a:off x="2108054" y="1987860"/>
+            <a:ext cx="176092" cy="182966"/>
+          </a:xfrm>
+          <a:prstGeom prst="ellipse">
+            <a:avLst/>
+          </a:prstGeom>
+          <a:solidFill>
+            <a:schemeClr val="tx1"/>
+          </a:solidFill>
+          <a:ln w="28575">
+            <a:noFill/>
+          </a:ln>
+        </p:spPr>
+        <p:style>
+          <a:lnRef idx="2">
+            <a:schemeClr val="accent1">
+              <a:shade val="50000"/>
+            </a:schemeClr>
+          </a:lnRef>
+          <a:fillRef idx="1">
+            <a:schemeClr val="accent1"/>
+          </a:fillRef>
+          <a:effectRef idx="0">
+            <a:schemeClr val="accent1"/>
+          </a:effectRef>
+          <a:fontRef idx="minor">
+            <a:schemeClr val="lt1"/>
+          </a:fontRef>
+        </p:style>
+        <p:txBody>
+          <a:bodyPr rtlCol="0" anchor="ctr"/>
+          <a:lstStyle/>
+          <a:p>
+            <a:pPr algn="ctr"/>
+            <a:endParaRPr kumimoji="1" lang="ja-JP" altLang="en-US"/>
+          </a:p>
+        </p:txBody>
+      </p:sp>
+      <p:sp>
+        <p:nvSpPr>
+          <p:cNvPr id="83" name="楕円 82">
+            <a:extLst>
+              <a:ext uri="{FF2B5EF4-FFF2-40B4-BE49-F238E27FC236}">
+                <a16:creationId xmlns:a16="http://schemas.microsoft.com/office/drawing/2014/main" id="{A26673CE-35BD-41A9-B9EA-BF604275A65A}"/>
+              </a:ext>
+            </a:extLst>
+          </p:cNvPr>
+          <p:cNvSpPr/>
+          <p:nvPr/>
+        </p:nvSpPr>
+        <p:spPr>
+          <a:xfrm flipV="1">
+            <a:off x="5733507" y="2001257"/>
+            <a:ext cx="176092" cy="182966"/>
+          </a:xfrm>
+          <a:prstGeom prst="ellipse">
+            <a:avLst/>
+          </a:prstGeom>
+          <a:solidFill>
+            <a:schemeClr val="tx1"/>
+          </a:solidFill>
+          <a:ln w="28575">
+            <a:noFill/>
+          </a:ln>
+        </p:spPr>
+        <p:style>
+          <a:lnRef idx="2">
+            <a:schemeClr val="accent1">
+              <a:shade val="50000"/>
+            </a:schemeClr>
+          </a:lnRef>
+          <a:fillRef idx="1">
+            <a:schemeClr val="accent1"/>
+          </a:fillRef>
+          <a:effectRef idx="0">
+            <a:schemeClr val="accent1"/>
+          </a:effectRef>
+          <a:fontRef idx="minor">
+            <a:schemeClr val="lt1"/>
+          </a:fontRef>
+        </p:style>
+        <p:txBody>
+          <a:bodyPr rtlCol="0" anchor="ctr"/>
+          <a:lstStyle/>
+          <a:p>
+            <a:pPr algn="ctr"/>
+            <a:endParaRPr kumimoji="1" lang="ja-JP" altLang="en-US"/>
+          </a:p>
+        </p:txBody>
+      </p:sp>
+      <p:cxnSp>
+        <p:nvCxnSpPr>
+          <p:cNvPr id="38" name="直線コネクタ 37">
+            <a:extLst>
+              <a:ext uri="{FF2B5EF4-FFF2-40B4-BE49-F238E27FC236}">
+                <a16:creationId xmlns:a16="http://schemas.microsoft.com/office/drawing/2014/main" id="{2AC370B9-04C5-44A2-8AE5-48B02927E966}"/>
+              </a:ext>
+            </a:extLst>
+          </p:cNvPr>
+          <p:cNvCxnSpPr>
+            <a:cxnSpLocks/>
+            <a:stCxn id="81" idx="3"/>
+            <a:endCxn id="78" idx="0"/>
+          </p:cNvCxnSpPr>
+          <p:nvPr/>
+        </p:nvCxnSpPr>
+        <p:spPr>
+          <a:xfrm flipV="1">
+            <a:off x="1596174" y="776743"/>
+            <a:ext cx="45631" cy="4922834"/>
+          </a:xfrm>
+          <a:prstGeom prst="line">
+            <a:avLst/>
+          </a:prstGeom>
+          <a:ln w="57150">
+            <a:solidFill>
+              <a:schemeClr val="bg2">
+                <a:lumMod val="10000"/>
+              </a:schemeClr>
+            </a:solidFill>
+          </a:ln>
+        </p:spPr>
+        <p:style>
+          <a:lnRef idx="1">
+            <a:schemeClr val="accent1"/>
+          </a:lnRef>
+          <a:fillRef idx="0">
+            <a:schemeClr val="accent1"/>
+          </a:fillRef>
+          <a:effectRef idx="0">
+            <a:schemeClr val="accent1"/>
+          </a:effectRef>
+          <a:fontRef idx="minor">
+            <a:schemeClr val="tx1"/>
+          </a:fontRef>
+        </p:style>
+      </p:cxnSp>
+      <p:cxnSp>
+        <p:nvCxnSpPr>
+          <p:cNvPr id="41" name="直線コネクタ 40">
+            <a:extLst>
+              <a:ext uri="{FF2B5EF4-FFF2-40B4-BE49-F238E27FC236}">
+                <a16:creationId xmlns:a16="http://schemas.microsoft.com/office/drawing/2014/main" id="{D2FF8117-5CAB-4B20-9B1F-F8B55A4773A0}"/>
+              </a:ext>
+            </a:extLst>
+          </p:cNvPr>
+          <p:cNvCxnSpPr>
+            <a:cxnSpLocks/>
+            <a:stCxn id="35" idx="2"/>
+          </p:cNvCxnSpPr>
+          <p:nvPr/>
+        </p:nvCxnSpPr>
+        <p:spPr>
+          <a:xfrm flipH="1" flipV="1">
+            <a:off x="1605467" y="1700576"/>
+            <a:ext cx="7532192" cy="42756"/>
+          </a:xfrm>
+          <a:prstGeom prst="line">
+            <a:avLst/>
+          </a:prstGeom>
+          <a:ln w="57150">
+            <a:solidFill>
+              <a:schemeClr val="bg2">
+                <a:lumMod val="10000"/>
+              </a:schemeClr>
+            </a:solidFill>
+          </a:ln>
+        </p:spPr>
+        <p:style>
+          <a:lnRef idx="1">
+            <a:schemeClr val="accent1"/>
+          </a:lnRef>
+          <a:fillRef idx="0">
+            <a:schemeClr val="accent1"/>
+          </a:fillRef>
+          <a:effectRef idx="0">
+            <a:schemeClr val="accent1"/>
+          </a:effectRef>
+          <a:fontRef idx="minor">
+            <a:schemeClr val="tx1"/>
+          </a:fontRef>
+        </p:style>
+      </p:cxnSp>
+      <p:sp>
+        <p:nvSpPr>
+          <p:cNvPr id="43" name="楕円 42">
+            <a:extLst>
+              <a:ext uri="{FF2B5EF4-FFF2-40B4-BE49-F238E27FC236}">
+                <a16:creationId xmlns:a16="http://schemas.microsoft.com/office/drawing/2014/main" id="{5850E57E-52E8-4F33-8B03-C5208B113850}"/>
+              </a:ext>
+            </a:extLst>
+          </p:cNvPr>
+          <p:cNvSpPr/>
+          <p:nvPr/>
+        </p:nvSpPr>
+        <p:spPr>
+          <a:xfrm flipV="1">
+            <a:off x="1553759" y="1625289"/>
+            <a:ext cx="176092" cy="182966"/>
+          </a:xfrm>
+          <a:prstGeom prst="ellipse">
+            <a:avLst/>
+          </a:prstGeom>
+          <a:solidFill>
+            <a:schemeClr val="tx1"/>
+          </a:solidFill>
+          <a:ln w="28575">
+            <a:noFill/>
+          </a:ln>
+        </p:spPr>
+        <p:style>
+          <a:lnRef idx="2">
+            <a:schemeClr val="accent1">
+              <a:shade val="50000"/>
+            </a:schemeClr>
+          </a:lnRef>
+          <a:fillRef idx="1">
+            <a:schemeClr val="accent1"/>
+          </a:fillRef>
+          <a:effectRef idx="0">
+            <a:schemeClr val="accent1"/>
+          </a:effectRef>
+          <a:fontRef idx="minor">
+            <a:schemeClr val="lt1"/>
+          </a:fontRef>
+        </p:style>
+        <p:txBody>
+          <a:bodyPr rtlCol="0" anchor="ctr"/>
+          <a:lstStyle/>
+          <a:p>
+            <a:pPr algn="ctr"/>
+            <a:endParaRPr kumimoji="1" lang="ja-JP" altLang="en-US"/>
+          </a:p>
+        </p:txBody>
+      </p:sp>
+      <p:cxnSp>
+        <p:nvCxnSpPr>
+          <p:cNvPr id="45" name="直線コネクタ 44">
+            <a:extLst>
+              <a:ext uri="{FF2B5EF4-FFF2-40B4-BE49-F238E27FC236}">
+                <a16:creationId xmlns:a16="http://schemas.microsoft.com/office/drawing/2014/main" id="{BE5684E1-3E02-4C85-B85F-61309CD0A6C6}"/>
+              </a:ext>
+            </a:extLst>
+          </p:cNvPr>
+          <p:cNvCxnSpPr>
+            <a:cxnSpLocks/>
+            <a:stCxn id="48" idx="7"/>
+          </p:cNvCxnSpPr>
+          <p:nvPr/>
+        </p:nvCxnSpPr>
+        <p:spPr>
+          <a:xfrm flipV="1">
+            <a:off x="6377903" y="1742663"/>
+            <a:ext cx="47549" cy="3529226"/>
+          </a:xfrm>
+          <a:prstGeom prst="line">
+            <a:avLst/>
+          </a:prstGeom>
+          <a:ln w="57150">
+            <a:solidFill>
+              <a:schemeClr val="bg2">
+                <a:lumMod val="10000"/>
+              </a:schemeClr>
+            </a:solidFill>
+          </a:ln>
+        </p:spPr>
+        <p:style>
+          <a:lnRef idx="1">
+            <a:schemeClr val="accent1"/>
+          </a:lnRef>
+          <a:fillRef idx="0">
+            <a:schemeClr val="accent1"/>
+          </a:fillRef>
+          <a:effectRef idx="0">
+            <a:schemeClr val="accent1"/>
+          </a:effectRef>
+          <a:fontRef idx="minor">
+            <a:schemeClr val="tx1"/>
+          </a:fontRef>
+        </p:style>
+      </p:cxnSp>
+      <p:sp>
+        <p:nvSpPr>
+          <p:cNvPr id="46" name="楕円 45">
+            <a:extLst>
+              <a:ext uri="{FF2B5EF4-FFF2-40B4-BE49-F238E27FC236}">
+                <a16:creationId xmlns:a16="http://schemas.microsoft.com/office/drawing/2014/main" id="{90BC46EE-17BF-487E-B7B3-BBF737BAA45B}"/>
+              </a:ext>
+            </a:extLst>
+          </p:cNvPr>
+          <p:cNvSpPr/>
+          <p:nvPr/>
+        </p:nvSpPr>
+        <p:spPr>
+          <a:xfrm flipV="1">
+            <a:off x="6342397" y="1622683"/>
+            <a:ext cx="176092" cy="182966"/>
+          </a:xfrm>
+          <a:prstGeom prst="ellipse">
+            <a:avLst/>
+          </a:prstGeom>
+          <a:solidFill>
+            <a:schemeClr val="tx1"/>
+          </a:solidFill>
+          <a:ln w="28575">
+            <a:noFill/>
+          </a:ln>
+        </p:spPr>
+        <p:style>
+          <a:lnRef idx="2">
+            <a:schemeClr val="accent1">
+              <a:shade val="50000"/>
+            </a:schemeClr>
+          </a:lnRef>
+          <a:fillRef idx="1">
+            <a:schemeClr val="accent1"/>
+          </a:fillRef>
+          <a:effectRef idx="0">
+            <a:schemeClr val="accent1"/>
+          </a:effectRef>
+          <a:fontRef idx="minor">
+            <a:schemeClr val="lt1"/>
+          </a:fontRef>
+        </p:style>
+        <p:txBody>
+          <a:bodyPr rtlCol="0" anchor="ctr"/>
+          <a:lstStyle/>
+          <a:p>
+            <a:pPr algn="ctr"/>
+            <a:endParaRPr kumimoji="1" lang="ja-JP" altLang="en-US"/>
+          </a:p>
+        </p:txBody>
+      </p:sp>
+      <p:cxnSp>
+        <p:nvCxnSpPr>
+          <p:cNvPr id="50" name="直線コネクタ 49">
+            <a:extLst>
+              <a:ext uri="{FF2B5EF4-FFF2-40B4-BE49-F238E27FC236}">
+                <a16:creationId xmlns:a16="http://schemas.microsoft.com/office/drawing/2014/main" id="{388D7B62-895A-4991-989E-A2F4E0A54688}"/>
+              </a:ext>
+            </a:extLst>
+          </p:cNvPr>
+          <p:cNvCxnSpPr>
+            <a:cxnSpLocks/>
+          </p:cNvCxnSpPr>
+          <p:nvPr/>
+        </p:nvCxnSpPr>
+        <p:spPr>
+          <a:xfrm flipH="1" flipV="1">
+            <a:off x="2219148" y="2448826"/>
+            <a:ext cx="11928" cy="3248604"/>
+          </a:xfrm>
+          <a:prstGeom prst="line">
+            <a:avLst/>
+          </a:prstGeom>
+          <a:ln w="57150">
+            <a:solidFill>
+              <a:schemeClr val="accent1">
+                <a:lumMod val="60000"/>
+                <a:lumOff val="40000"/>
+              </a:schemeClr>
+            </a:solidFill>
+          </a:ln>
+        </p:spPr>
+        <p:style>
+          <a:lnRef idx="1">
+            <a:schemeClr val="accent1"/>
+          </a:lnRef>
+          <a:fillRef idx="0">
+            <a:schemeClr val="accent1"/>
+          </a:fillRef>
+          <a:effectRef idx="0">
+            <a:schemeClr val="accent1"/>
+          </a:effectRef>
+          <a:fontRef idx="minor">
+            <a:schemeClr val="tx1"/>
+          </a:fontRef>
+        </p:style>
+      </p:cxnSp>
+      <p:cxnSp>
+        <p:nvCxnSpPr>
+          <p:cNvPr id="52" name="直線コネクタ 51">
+            <a:extLst>
+              <a:ext uri="{FF2B5EF4-FFF2-40B4-BE49-F238E27FC236}">
+                <a16:creationId xmlns:a16="http://schemas.microsoft.com/office/drawing/2014/main" id="{E907FB5C-DBD6-46B7-98F2-4A593E619E6C}"/>
+              </a:ext>
+            </a:extLst>
+          </p:cNvPr>
+          <p:cNvCxnSpPr>
+            <a:cxnSpLocks/>
+          </p:cNvCxnSpPr>
+          <p:nvPr/>
+        </p:nvCxnSpPr>
+        <p:spPr>
+          <a:xfrm flipH="1">
+            <a:off x="2183407" y="2448826"/>
+            <a:ext cx="4022776" cy="13183"/>
+          </a:xfrm>
+          <a:prstGeom prst="line">
+            <a:avLst/>
+          </a:prstGeom>
+          <a:ln w="57150">
+            <a:solidFill>
+              <a:srgbClr val="FF0000"/>
+            </a:solidFill>
+          </a:ln>
+        </p:spPr>
+        <p:style>
+          <a:lnRef idx="1">
+            <a:schemeClr val="accent1"/>
+          </a:lnRef>
+          <a:fillRef idx="0">
+            <a:schemeClr val="accent1"/>
+          </a:fillRef>
+          <a:effectRef idx="0">
+            <a:schemeClr val="accent1"/>
+          </a:effectRef>
+          <a:fontRef idx="minor">
+            <a:schemeClr val="tx1"/>
+          </a:fontRef>
+        </p:style>
+      </p:cxnSp>
+      <p:cxnSp>
+        <p:nvCxnSpPr>
+          <p:cNvPr id="58" name="直線コネクタ 57">
+            <a:extLst>
+              <a:ext uri="{FF2B5EF4-FFF2-40B4-BE49-F238E27FC236}">
+                <a16:creationId xmlns:a16="http://schemas.microsoft.com/office/drawing/2014/main" id="{0A88146C-CE43-4727-9B6E-4A9FC7101796}"/>
+              </a:ext>
+            </a:extLst>
+          </p:cNvPr>
+          <p:cNvCxnSpPr>
+            <a:cxnSpLocks/>
+          </p:cNvCxnSpPr>
+          <p:nvPr/>
+        </p:nvCxnSpPr>
+        <p:spPr>
+          <a:xfrm flipH="1" flipV="1">
+            <a:off x="6189204" y="913782"/>
+            <a:ext cx="12607" cy="1514117"/>
+          </a:xfrm>
+          <a:prstGeom prst="line">
+            <a:avLst/>
+          </a:prstGeom>
+          <a:ln w="57150">
+            <a:solidFill>
+              <a:schemeClr val="tx1"/>
+            </a:solidFill>
+          </a:ln>
+        </p:spPr>
+        <p:style>
+          <a:lnRef idx="1">
+            <a:schemeClr val="accent1"/>
+          </a:lnRef>
+          <a:fillRef idx="0">
+            <a:schemeClr val="accent1"/>
+          </a:fillRef>
+          <a:effectRef idx="0">
+            <a:schemeClr val="accent1"/>
+          </a:effectRef>
+          <a:fontRef idx="minor">
+            <a:schemeClr val="tx1"/>
+          </a:fontRef>
+        </p:style>
+      </p:cxnSp>
+      <p:sp>
+        <p:nvSpPr>
+          <p:cNvPr id="59" name="楕円 58">
+            <a:extLst>
+              <a:ext uri="{FF2B5EF4-FFF2-40B4-BE49-F238E27FC236}">
+                <a16:creationId xmlns:a16="http://schemas.microsoft.com/office/drawing/2014/main" id="{7CEF9EFC-C272-4FCB-AB4A-84B2E32ABE3F}"/>
+              </a:ext>
+            </a:extLst>
+          </p:cNvPr>
+          <p:cNvSpPr/>
+          <p:nvPr/>
+        </p:nvSpPr>
+        <p:spPr>
+          <a:xfrm flipV="1">
+            <a:off x="2131102" y="2373788"/>
+            <a:ext cx="176092" cy="182966"/>
+          </a:xfrm>
+          <a:prstGeom prst="ellipse">
+            <a:avLst/>
+          </a:prstGeom>
+          <a:solidFill>
+            <a:schemeClr val="tx1"/>
+          </a:solidFill>
+          <a:ln w="28575">
+            <a:noFill/>
+          </a:ln>
+        </p:spPr>
+        <p:style>
+          <a:lnRef idx="2">
+            <a:schemeClr val="accent1">
+              <a:shade val="50000"/>
+            </a:schemeClr>
+          </a:lnRef>
+          <a:fillRef idx="1">
+            <a:schemeClr val="accent1"/>
+          </a:fillRef>
+          <a:effectRef idx="0">
+            <a:schemeClr val="accent1"/>
+          </a:effectRef>
+          <a:fontRef idx="minor">
+            <a:schemeClr val="lt1"/>
+          </a:fontRef>
+        </p:style>
+        <p:txBody>
+          <a:bodyPr rtlCol="0" anchor="ctr"/>
+          <a:lstStyle/>
+          <a:p>
+            <a:pPr algn="ctr"/>
+            <a:endParaRPr kumimoji="1" lang="ja-JP" altLang="en-US"/>
+          </a:p>
+        </p:txBody>
+      </p:sp>
+      <p:sp>
+        <p:nvSpPr>
+          <p:cNvPr id="61" name="楕円 60">
+            <a:extLst>
+              <a:ext uri="{FF2B5EF4-FFF2-40B4-BE49-F238E27FC236}">
+                <a16:creationId xmlns:a16="http://schemas.microsoft.com/office/drawing/2014/main" id="{0F913071-B152-40BB-B71B-84236097201A}"/>
+              </a:ext>
+            </a:extLst>
+          </p:cNvPr>
+          <p:cNvSpPr/>
+          <p:nvPr/>
+        </p:nvSpPr>
+        <p:spPr>
+          <a:xfrm flipV="1">
+            <a:off x="6096012" y="2339589"/>
+            <a:ext cx="176092" cy="182966"/>
+          </a:xfrm>
+          <a:prstGeom prst="ellipse">
+            <a:avLst/>
+          </a:prstGeom>
+          <a:solidFill>
+            <a:schemeClr val="tx1"/>
+          </a:solidFill>
+          <a:ln w="28575">
+            <a:noFill/>
+          </a:ln>
+        </p:spPr>
+        <p:style>
+          <a:lnRef idx="2">
+            <a:schemeClr val="accent1">
+              <a:shade val="50000"/>
+            </a:schemeClr>
+          </a:lnRef>
+          <a:fillRef idx="1">
+            <a:schemeClr val="accent1"/>
+          </a:fillRef>
+          <a:effectRef idx="0">
+            <a:schemeClr val="accent1"/>
+          </a:effectRef>
+          <a:fontRef idx="minor">
+            <a:schemeClr val="lt1"/>
+          </a:fontRef>
+        </p:style>
+        <p:txBody>
+          <a:bodyPr rtlCol="0" anchor="ctr"/>
+          <a:lstStyle/>
+          <a:p>
+            <a:pPr algn="ctr"/>
+            <a:endParaRPr kumimoji="1" lang="ja-JP" altLang="en-US"/>
+          </a:p>
+        </p:txBody>
+      </p:sp>
+      <p:cxnSp>
+        <p:nvCxnSpPr>
+          <p:cNvPr id="63" name="直線コネクタ 62">
+            <a:extLst>
+              <a:ext uri="{FF2B5EF4-FFF2-40B4-BE49-F238E27FC236}">
+                <a16:creationId xmlns:a16="http://schemas.microsoft.com/office/drawing/2014/main" id="{D5AFFF59-0BE3-43B4-9634-BE5D47BB4669}"/>
+              </a:ext>
+            </a:extLst>
+          </p:cNvPr>
+          <p:cNvCxnSpPr>
+            <a:cxnSpLocks/>
+          </p:cNvCxnSpPr>
+          <p:nvPr/>
+        </p:nvCxnSpPr>
+        <p:spPr>
+          <a:xfrm flipH="1">
+            <a:off x="8221303" y="2448902"/>
+            <a:ext cx="941587" cy="904445"/>
+          </a:xfrm>
+          <a:prstGeom prst="line">
+            <a:avLst/>
+          </a:prstGeom>
+          <a:ln w="57150">
+            <a:solidFill>
+              <a:schemeClr val="tx1"/>
+            </a:solidFill>
+          </a:ln>
+        </p:spPr>
+        <p:style>
+          <a:lnRef idx="1">
+            <a:schemeClr val="accent1"/>
+          </a:lnRef>
+          <a:fillRef idx="0">
+            <a:schemeClr val="accent1"/>
+          </a:fillRef>
+          <a:effectRef idx="0">
+            <a:schemeClr val="accent1"/>
+          </a:effectRef>
+          <a:fontRef idx="minor">
+            <a:schemeClr val="tx1"/>
+          </a:fontRef>
+        </p:style>
+      </p:cxnSp>
+      <p:cxnSp>
+        <p:nvCxnSpPr>
+          <p:cNvPr id="64" name="直線コネクタ 63">
+            <a:extLst>
+              <a:ext uri="{FF2B5EF4-FFF2-40B4-BE49-F238E27FC236}">
+                <a16:creationId xmlns:a16="http://schemas.microsoft.com/office/drawing/2014/main" id="{22C6220A-2917-4904-8494-A72EE523815F}"/>
+              </a:ext>
+            </a:extLst>
+          </p:cNvPr>
+          <p:cNvCxnSpPr>
+            <a:cxnSpLocks/>
+          </p:cNvCxnSpPr>
+          <p:nvPr/>
+        </p:nvCxnSpPr>
+        <p:spPr>
+          <a:xfrm flipH="1">
+            <a:off x="8158918" y="3352536"/>
+            <a:ext cx="62386" cy="1844868"/>
+          </a:xfrm>
+          <a:prstGeom prst="line">
+            <a:avLst/>
+          </a:prstGeom>
+          <a:ln w="57150">
+            <a:solidFill>
+              <a:schemeClr val="tx1"/>
+            </a:solidFill>
+          </a:ln>
+        </p:spPr>
+        <p:style>
+          <a:lnRef idx="1">
+            <a:schemeClr val="accent1"/>
+          </a:lnRef>
+          <a:fillRef idx="0">
+            <a:schemeClr val="accent1"/>
+          </a:fillRef>
+          <a:effectRef idx="0">
+            <a:schemeClr val="accent1"/>
+          </a:effectRef>
+          <a:fontRef idx="minor">
+            <a:schemeClr val="tx1"/>
+          </a:fontRef>
+        </p:style>
+      </p:cxnSp>
+      <p:sp>
+        <p:nvSpPr>
+          <p:cNvPr id="62" name="テキスト ボックス 61">
+            <a:extLst>
+              <a:ext uri="{FF2B5EF4-FFF2-40B4-BE49-F238E27FC236}">
+                <a16:creationId xmlns:a16="http://schemas.microsoft.com/office/drawing/2014/main" id="{46B35D0B-9C9E-492C-8053-A26F37B4F9C6}"/>
+              </a:ext>
+            </a:extLst>
+          </p:cNvPr>
+          <p:cNvSpPr txBox="1"/>
+          <p:nvPr/>
+        </p:nvSpPr>
+        <p:spPr>
+          <a:xfrm>
+            <a:off x="3583369" y="49265"/>
+            <a:ext cx="2031325" cy="830997"/>
+          </a:xfrm>
+          <a:prstGeom prst="rect">
+            <a:avLst/>
+          </a:prstGeom>
+          <a:noFill/>
+        </p:spPr>
+        <p:txBody>
+          <a:bodyPr wrap="none" rtlCol="0">
+            <a:spAutoFit/>
+          </a:bodyPr>
+          <a:lstStyle/>
+          <a:p>
+            <a:r>
+              <a:rPr kumimoji="1" lang="ja-JP" altLang="en-US" sz="2400" b="1" dirty="0">
+                <a:solidFill>
+                  <a:srgbClr val="FF0000"/>
+                </a:solidFill>
+                <a:latin typeface="+mn-ea"/>
+              </a:rPr>
+              <a:t>受金ねじ部の</a:t>
+            </a:r>
+            <a:endParaRPr kumimoji="1" lang="en-US" altLang="ja-JP" sz="2400" b="1" dirty="0">
+              <a:solidFill>
+                <a:srgbClr val="FF0000"/>
+              </a:solidFill>
+              <a:latin typeface="+mn-ea"/>
+            </a:endParaRPr>
+          </a:p>
+          <a:p>
+            <a:r>
+              <a:rPr kumimoji="1" lang="ja-JP" altLang="en-US" sz="2400" b="1" dirty="0">
+                <a:solidFill>
+                  <a:srgbClr val="FF0000"/>
+                </a:solidFill>
+                <a:latin typeface="+mn-ea"/>
+              </a:rPr>
+              <a:t>端子に白線</a:t>
+            </a:r>
+          </a:p>
+        </p:txBody>
+      </p:sp>
+      <p:cxnSp>
+        <p:nvCxnSpPr>
+          <p:cNvPr id="65" name="直線矢印コネクタ 64">
+            <a:extLst>
+              <a:ext uri="{FF2B5EF4-FFF2-40B4-BE49-F238E27FC236}">
+                <a16:creationId xmlns:a16="http://schemas.microsoft.com/office/drawing/2014/main" id="{F9245E55-5D24-4E26-9D04-083B97114CAE}"/>
+              </a:ext>
+            </a:extLst>
+          </p:cNvPr>
+          <p:cNvCxnSpPr>
+            <a:cxnSpLocks/>
+          </p:cNvCxnSpPr>
+          <p:nvPr/>
+        </p:nvCxnSpPr>
+        <p:spPr>
+          <a:xfrm>
+            <a:off x="5386614" y="536277"/>
+            <a:ext cx="273898" cy="180977"/>
+          </a:xfrm>
+          <a:prstGeom prst="straightConnector1">
+            <a:avLst/>
+          </a:prstGeom>
+          <a:ln w="38100">
+            <a:solidFill>
+              <a:srgbClr val="FF0000"/>
+            </a:solidFill>
+            <a:tailEnd type="triangle"/>
+          </a:ln>
+        </p:spPr>
+        <p:style>
+          <a:lnRef idx="3">
+            <a:schemeClr val="dk1"/>
+          </a:lnRef>
+          <a:fillRef idx="0">
+            <a:schemeClr val="dk1"/>
+          </a:fillRef>
+          <a:effectRef idx="2">
+            <a:schemeClr val="dk1"/>
+          </a:effectRef>
+          <a:fontRef idx="minor">
+            <a:schemeClr val="tx1"/>
+          </a:fontRef>
+        </p:style>
+      </p:cxnSp>
+      <p:sp>
+        <p:nvSpPr>
+          <p:cNvPr id="67" name="テキスト ボックス 66">
+            <a:extLst>
+              <a:ext uri="{FF2B5EF4-FFF2-40B4-BE49-F238E27FC236}">
+                <a16:creationId xmlns:a16="http://schemas.microsoft.com/office/drawing/2014/main" id="{0065D2C6-E3EA-45B2-AFC8-54820045F5DC}"/>
+              </a:ext>
+            </a:extLst>
+          </p:cNvPr>
+          <p:cNvSpPr txBox="1"/>
+          <p:nvPr/>
+        </p:nvSpPr>
+        <p:spPr>
+          <a:xfrm>
+            <a:off x="3247715" y="4814363"/>
+            <a:ext cx="2313454" cy="461665"/>
+          </a:xfrm>
+          <a:prstGeom prst="rect">
+            <a:avLst/>
+          </a:prstGeom>
+          <a:noFill/>
+        </p:spPr>
+        <p:txBody>
+          <a:bodyPr wrap="none" rtlCol="0">
+            <a:spAutoFit/>
+          </a:bodyPr>
+          <a:lstStyle/>
+          <a:p>
+            <a:r>
+              <a:rPr kumimoji="1" lang="en-US" altLang="ja-JP" sz="2400" b="1" dirty="0">
+                <a:solidFill>
+                  <a:srgbClr val="FF0000"/>
+                </a:solidFill>
+                <a:latin typeface="+mn-ea"/>
+              </a:rPr>
+              <a:t>W</a:t>
+            </a:r>
+            <a:r>
+              <a:rPr kumimoji="1" lang="ja-JP" altLang="en-US" sz="2400" b="1" dirty="0">
+                <a:solidFill>
+                  <a:srgbClr val="FF0000"/>
+                </a:solidFill>
+                <a:latin typeface="+mn-ea"/>
+              </a:rPr>
+              <a:t>側端子に白線</a:t>
+            </a:r>
+          </a:p>
+        </p:txBody>
+      </p:sp>
+      <p:cxnSp>
+        <p:nvCxnSpPr>
+          <p:cNvPr id="69" name="直線矢印コネクタ 68">
+            <a:extLst>
+              <a:ext uri="{FF2B5EF4-FFF2-40B4-BE49-F238E27FC236}">
+                <a16:creationId xmlns:a16="http://schemas.microsoft.com/office/drawing/2014/main" id="{33229144-ADF5-4D96-9D25-D1623654B6BF}"/>
+              </a:ext>
+            </a:extLst>
+          </p:cNvPr>
+          <p:cNvCxnSpPr>
+            <a:cxnSpLocks/>
+          </p:cNvCxnSpPr>
+          <p:nvPr/>
+        </p:nvCxnSpPr>
+        <p:spPr>
+          <a:xfrm flipV="1">
+            <a:off x="5311693" y="5248526"/>
+            <a:ext cx="359138" cy="50260"/>
+          </a:xfrm>
+          <a:prstGeom prst="straightConnector1">
+            <a:avLst/>
+          </a:prstGeom>
+          <a:ln w="38100">
+            <a:solidFill>
+              <a:srgbClr val="FF0000"/>
+            </a:solidFill>
+            <a:tailEnd type="triangle"/>
+          </a:ln>
+        </p:spPr>
+        <p:style>
+          <a:lnRef idx="3">
+            <a:schemeClr val="dk1"/>
+          </a:lnRef>
+          <a:fillRef idx="0">
+            <a:schemeClr val="dk1"/>
+          </a:fillRef>
+          <a:effectRef idx="2">
+            <a:schemeClr val="dk1"/>
+          </a:effectRef>
+          <a:fontRef idx="minor">
+            <a:schemeClr val="tx1"/>
+          </a:fontRef>
+        </p:style>
+      </p:cxnSp>
+      <p:sp>
+        <p:nvSpPr>
+          <p:cNvPr id="72" name="テキスト ボックス 71">
+            <a:extLst>
+              <a:ext uri="{FF2B5EF4-FFF2-40B4-BE49-F238E27FC236}">
+                <a16:creationId xmlns:a16="http://schemas.microsoft.com/office/drawing/2014/main" id="{1487B880-D498-48D4-8278-A3A19323950D}"/>
+              </a:ext>
+            </a:extLst>
+          </p:cNvPr>
+          <p:cNvSpPr txBox="1"/>
+          <p:nvPr/>
+        </p:nvSpPr>
+        <p:spPr>
+          <a:xfrm>
+            <a:off x="2284146" y="1010798"/>
+            <a:ext cx="1415772" cy="461665"/>
+          </a:xfrm>
+          <a:prstGeom prst="rect">
+            <a:avLst/>
+          </a:prstGeom>
+          <a:noFill/>
+        </p:spPr>
+        <p:txBody>
+          <a:bodyPr wrap="none" rtlCol="0">
+            <a:spAutoFit/>
+          </a:bodyPr>
+          <a:lstStyle/>
+          <a:p>
+            <a:r>
+              <a:rPr lang="ja-JP" altLang="en-US" sz="2400" b="1" dirty="0">
+                <a:solidFill>
+                  <a:srgbClr val="FF0000"/>
+                </a:solidFill>
+                <a:latin typeface="Georgia" panose="02040502050405020303" pitchFamily="18" charset="0"/>
+              </a:rPr>
+              <a:t>刻印：小</a:t>
+            </a:r>
+            <a:endParaRPr kumimoji="1" lang="ja-JP" altLang="en-US" sz="2400" b="1" dirty="0">
+              <a:solidFill>
+                <a:srgbClr val="FF0000"/>
+              </a:solidFill>
+              <a:latin typeface="Georgia" panose="02040502050405020303" pitchFamily="18" charset="0"/>
+            </a:endParaRPr>
+          </a:p>
+        </p:txBody>
+      </p:sp>
+      <p:cxnSp>
+        <p:nvCxnSpPr>
+          <p:cNvPr id="84" name="直線矢印コネクタ 83">
+            <a:extLst>
+              <a:ext uri="{FF2B5EF4-FFF2-40B4-BE49-F238E27FC236}">
+                <a16:creationId xmlns:a16="http://schemas.microsoft.com/office/drawing/2014/main" id="{332A4118-C116-41EA-8E3C-09065CD701B8}"/>
+              </a:ext>
+            </a:extLst>
+          </p:cNvPr>
+          <p:cNvCxnSpPr>
+            <a:cxnSpLocks/>
+          </p:cNvCxnSpPr>
+          <p:nvPr/>
+        </p:nvCxnSpPr>
+        <p:spPr>
+          <a:xfrm flipH="1">
+            <a:off x="1833552" y="1406328"/>
+            <a:ext cx="532536" cy="179396"/>
+          </a:xfrm>
+          <a:prstGeom prst="straightConnector1">
+            <a:avLst/>
+          </a:prstGeom>
+          <a:ln w="38100">
+            <a:solidFill>
+              <a:srgbClr val="FF0000"/>
+            </a:solidFill>
+            <a:tailEnd type="triangle"/>
+          </a:ln>
+        </p:spPr>
+        <p:style>
+          <a:lnRef idx="3">
+            <a:schemeClr val="dk1"/>
+          </a:lnRef>
+          <a:fillRef idx="0">
+            <a:schemeClr val="dk1"/>
+          </a:fillRef>
+          <a:effectRef idx="2">
+            <a:schemeClr val="dk1"/>
+          </a:effectRef>
+          <a:fontRef idx="minor">
+            <a:schemeClr val="tx1"/>
+          </a:fontRef>
+        </p:style>
+      </p:cxnSp>
+      <p:cxnSp>
+        <p:nvCxnSpPr>
+          <p:cNvPr id="85" name="直線矢印コネクタ 84">
+            <a:extLst>
+              <a:ext uri="{FF2B5EF4-FFF2-40B4-BE49-F238E27FC236}">
+                <a16:creationId xmlns:a16="http://schemas.microsoft.com/office/drawing/2014/main" id="{69A4E9A3-BC54-45C9-AEFA-044DD27C030B}"/>
+              </a:ext>
+            </a:extLst>
+          </p:cNvPr>
+          <p:cNvCxnSpPr>
+            <a:cxnSpLocks/>
+          </p:cNvCxnSpPr>
+          <p:nvPr/>
+        </p:nvCxnSpPr>
+        <p:spPr>
+          <a:xfrm flipH="1">
+            <a:off x="2243282" y="1501921"/>
+            <a:ext cx="559155" cy="423478"/>
+          </a:xfrm>
+          <a:prstGeom prst="straightConnector1">
+            <a:avLst/>
+          </a:prstGeom>
+          <a:ln w="38100">
+            <a:solidFill>
+              <a:srgbClr val="FF0000"/>
+            </a:solidFill>
+            <a:tailEnd type="triangle"/>
+          </a:ln>
+        </p:spPr>
+        <p:style>
+          <a:lnRef idx="3">
+            <a:schemeClr val="dk1"/>
+          </a:lnRef>
+          <a:fillRef idx="0">
+            <a:schemeClr val="dk1"/>
+          </a:fillRef>
+          <a:effectRef idx="2">
+            <a:schemeClr val="dk1"/>
+          </a:effectRef>
+          <a:fontRef idx="minor">
+            <a:schemeClr val="tx1"/>
+          </a:fontRef>
+        </p:style>
+      </p:cxnSp>
+      <p:sp>
+        <p:nvSpPr>
+          <p:cNvPr id="86" name="テキスト ボックス 85">
+            <a:extLst>
+              <a:ext uri="{FF2B5EF4-FFF2-40B4-BE49-F238E27FC236}">
+                <a16:creationId xmlns:a16="http://schemas.microsoft.com/office/drawing/2014/main" id="{C987356D-0468-46D2-AF5B-8C815CD77085}"/>
+              </a:ext>
+            </a:extLst>
+          </p:cNvPr>
+          <p:cNvSpPr txBox="1"/>
+          <p:nvPr/>
+        </p:nvSpPr>
+        <p:spPr>
+          <a:xfrm>
+            <a:off x="2322157" y="2870743"/>
+            <a:ext cx="1415772" cy="461665"/>
+          </a:xfrm>
+          <a:prstGeom prst="rect">
+            <a:avLst/>
+          </a:prstGeom>
+          <a:noFill/>
+        </p:spPr>
+        <p:txBody>
+          <a:bodyPr wrap="none" rtlCol="0">
+            <a:spAutoFit/>
+          </a:bodyPr>
+          <a:lstStyle/>
+          <a:p>
+            <a:r>
+              <a:rPr lang="ja-JP" altLang="en-US" sz="2400" b="1" dirty="0">
+                <a:solidFill>
+                  <a:srgbClr val="FF0000"/>
+                </a:solidFill>
+                <a:latin typeface="Georgia" panose="02040502050405020303" pitchFamily="18" charset="0"/>
+              </a:rPr>
+              <a:t>刻印：○</a:t>
+            </a:r>
+            <a:endParaRPr kumimoji="1" lang="ja-JP" altLang="en-US" sz="2400" b="1" dirty="0">
+              <a:solidFill>
+                <a:srgbClr val="FF0000"/>
+              </a:solidFill>
+              <a:latin typeface="Georgia" panose="02040502050405020303" pitchFamily="18" charset="0"/>
+            </a:endParaRPr>
+          </a:p>
+        </p:txBody>
+      </p:sp>
+      <p:cxnSp>
+        <p:nvCxnSpPr>
+          <p:cNvPr id="87" name="直線矢印コネクタ 86">
+            <a:extLst>
+              <a:ext uri="{FF2B5EF4-FFF2-40B4-BE49-F238E27FC236}">
+                <a16:creationId xmlns:a16="http://schemas.microsoft.com/office/drawing/2014/main" id="{1D7F6C31-9DCF-4DFE-870C-1AA45AE39646}"/>
+              </a:ext>
+            </a:extLst>
+          </p:cNvPr>
+          <p:cNvCxnSpPr>
+            <a:cxnSpLocks/>
+          </p:cNvCxnSpPr>
+          <p:nvPr/>
+        </p:nvCxnSpPr>
+        <p:spPr>
+          <a:xfrm flipH="1" flipV="1">
+            <a:off x="2311192" y="2653901"/>
+            <a:ext cx="194342" cy="244505"/>
+          </a:xfrm>
+          <a:prstGeom prst="straightConnector1">
+            <a:avLst/>
+          </a:prstGeom>
+          <a:ln w="38100">
+            <a:solidFill>
+              <a:srgbClr val="FF0000"/>
+            </a:solidFill>
+            <a:tailEnd type="triangle"/>
+          </a:ln>
+        </p:spPr>
+        <p:style>
+          <a:lnRef idx="3">
+            <a:schemeClr val="dk1"/>
+          </a:lnRef>
+          <a:fillRef idx="0">
+            <a:schemeClr val="dk1"/>
+          </a:fillRef>
+          <a:effectRef idx="2">
+            <a:schemeClr val="dk1"/>
+          </a:effectRef>
+          <a:fontRef idx="minor">
+            <a:schemeClr val="tx1"/>
+          </a:fontRef>
+        </p:style>
+      </p:cxnSp>
+      <p:sp>
+        <p:nvSpPr>
+          <p:cNvPr id="88" name="テキスト ボックス 87">
+            <a:extLst>
+              <a:ext uri="{FF2B5EF4-FFF2-40B4-BE49-F238E27FC236}">
+                <a16:creationId xmlns:a16="http://schemas.microsoft.com/office/drawing/2014/main" id="{D90CC7F3-B4C9-431C-B65B-672A240C86ED}"/>
+              </a:ext>
+            </a:extLst>
+          </p:cNvPr>
+          <p:cNvSpPr txBox="1"/>
+          <p:nvPr/>
+        </p:nvSpPr>
+        <p:spPr>
+          <a:xfrm>
+            <a:off x="3880413" y="2696905"/>
+            <a:ext cx="1915909" cy="461665"/>
+          </a:xfrm>
+          <a:prstGeom prst="rect">
+            <a:avLst/>
+          </a:prstGeom>
+          <a:noFill/>
+        </p:spPr>
+        <p:txBody>
+          <a:bodyPr wrap="none" rtlCol="0">
+            <a:spAutoFit/>
+          </a:bodyPr>
+          <a:lstStyle/>
+          <a:p>
+            <a:r>
+              <a:rPr lang="ja-JP" altLang="en-US" sz="2400" b="1" dirty="0">
+                <a:solidFill>
+                  <a:srgbClr val="FF0000"/>
+                </a:solidFill>
+                <a:latin typeface="Georgia" panose="02040502050405020303" pitchFamily="18" charset="0"/>
+              </a:rPr>
+              <a:t>コネクタ：</a:t>
+            </a:r>
+            <a:r>
+              <a:rPr lang="en-US" altLang="ja-JP" sz="2400" b="1" dirty="0">
+                <a:solidFill>
+                  <a:srgbClr val="FF0000"/>
+                </a:solidFill>
+                <a:latin typeface="Georgia" panose="02040502050405020303" pitchFamily="18" charset="0"/>
+              </a:rPr>
+              <a:t>2</a:t>
+            </a:r>
+            <a:endParaRPr kumimoji="1" lang="ja-JP" altLang="en-US" sz="2400" b="1" dirty="0">
+              <a:solidFill>
+                <a:srgbClr val="FF0000"/>
+              </a:solidFill>
+              <a:latin typeface="Georgia" panose="02040502050405020303" pitchFamily="18" charset="0"/>
+            </a:endParaRPr>
+          </a:p>
+        </p:txBody>
+      </p:sp>
+      <p:sp>
+        <p:nvSpPr>
+          <p:cNvPr id="89" name="テキスト ボックス 88">
+            <a:extLst>
+              <a:ext uri="{FF2B5EF4-FFF2-40B4-BE49-F238E27FC236}">
+                <a16:creationId xmlns:a16="http://schemas.microsoft.com/office/drawing/2014/main" id="{93591317-948C-4026-B276-2ED5C67DE257}"/>
+              </a:ext>
+            </a:extLst>
+          </p:cNvPr>
+          <p:cNvSpPr txBox="1"/>
+          <p:nvPr/>
+        </p:nvSpPr>
+        <p:spPr>
+          <a:xfrm>
+            <a:off x="3715161" y="1086712"/>
+            <a:ext cx="1915909" cy="461665"/>
+          </a:xfrm>
+          <a:prstGeom prst="rect">
+            <a:avLst/>
+          </a:prstGeom>
+          <a:noFill/>
+        </p:spPr>
+        <p:txBody>
+          <a:bodyPr wrap="none" rtlCol="0">
+            <a:spAutoFit/>
+          </a:bodyPr>
+          <a:lstStyle/>
+          <a:p>
+            <a:r>
+              <a:rPr lang="ja-JP" altLang="en-US" sz="2400" b="1" dirty="0">
+                <a:solidFill>
+                  <a:srgbClr val="FF0000"/>
+                </a:solidFill>
+                <a:latin typeface="Georgia" panose="02040502050405020303" pitchFamily="18" charset="0"/>
+              </a:rPr>
+              <a:t>コネクタ：</a:t>
+            </a:r>
+            <a:r>
+              <a:rPr lang="en-US" altLang="ja-JP" sz="2400" b="1" dirty="0">
+                <a:solidFill>
+                  <a:srgbClr val="FF0000"/>
+                </a:solidFill>
+                <a:latin typeface="Georgia" panose="02040502050405020303" pitchFamily="18" charset="0"/>
+              </a:rPr>
+              <a:t>4</a:t>
+            </a:r>
+            <a:endParaRPr kumimoji="1" lang="ja-JP" altLang="en-US" sz="2400" b="1" dirty="0">
+              <a:solidFill>
+                <a:srgbClr val="FF0000"/>
+              </a:solidFill>
+              <a:latin typeface="Georgia" panose="02040502050405020303" pitchFamily="18" charset="0"/>
+            </a:endParaRPr>
+          </a:p>
+        </p:txBody>
+      </p:sp>
+      <p:sp>
+        <p:nvSpPr>
+          <p:cNvPr id="90" name="テキスト ボックス 89">
+            <a:extLst>
+              <a:ext uri="{FF2B5EF4-FFF2-40B4-BE49-F238E27FC236}">
+                <a16:creationId xmlns:a16="http://schemas.microsoft.com/office/drawing/2014/main" id="{6464C760-FF04-40F0-8E75-E37741BD48CE}"/>
+              </a:ext>
+            </a:extLst>
+          </p:cNvPr>
+          <p:cNvSpPr txBox="1"/>
+          <p:nvPr/>
+        </p:nvSpPr>
+        <p:spPr>
+          <a:xfrm>
+            <a:off x="6218554" y="1086893"/>
+            <a:ext cx="1915909" cy="461665"/>
+          </a:xfrm>
+          <a:prstGeom prst="rect">
+            <a:avLst/>
+          </a:prstGeom>
+          <a:noFill/>
+        </p:spPr>
+        <p:txBody>
+          <a:bodyPr wrap="none" rtlCol="0">
+            <a:spAutoFit/>
+          </a:bodyPr>
+          <a:lstStyle/>
+          <a:p>
+            <a:r>
+              <a:rPr lang="ja-JP" altLang="en-US" sz="2400" b="1" dirty="0">
+                <a:solidFill>
+                  <a:srgbClr val="FF0000"/>
+                </a:solidFill>
+                <a:latin typeface="Georgia" panose="02040502050405020303" pitchFamily="18" charset="0"/>
+              </a:rPr>
+              <a:t>コネクタ：</a:t>
+            </a:r>
+            <a:r>
+              <a:rPr lang="en-US" altLang="ja-JP" sz="2400" b="1" dirty="0">
+                <a:solidFill>
+                  <a:srgbClr val="FF0000"/>
+                </a:solidFill>
+                <a:latin typeface="Georgia" panose="02040502050405020303" pitchFamily="18" charset="0"/>
+              </a:rPr>
+              <a:t>3</a:t>
+            </a:r>
+            <a:endParaRPr kumimoji="1" lang="ja-JP" altLang="en-US" sz="2400" b="1" dirty="0">
+              <a:solidFill>
+                <a:srgbClr val="FF0000"/>
+              </a:solidFill>
+              <a:latin typeface="Georgia" panose="02040502050405020303" pitchFamily="18" charset="0"/>
+            </a:endParaRPr>
+          </a:p>
+        </p:txBody>
+      </p:sp>
+      <p:cxnSp>
+        <p:nvCxnSpPr>
+          <p:cNvPr id="91" name="直線矢印コネクタ 90">
+            <a:extLst>
+              <a:ext uri="{FF2B5EF4-FFF2-40B4-BE49-F238E27FC236}">
+                <a16:creationId xmlns:a16="http://schemas.microsoft.com/office/drawing/2014/main" id="{2E88B213-04C8-4EB1-954E-619BBF1ABFA1}"/>
+              </a:ext>
+            </a:extLst>
+          </p:cNvPr>
+          <p:cNvCxnSpPr>
+            <a:cxnSpLocks/>
+          </p:cNvCxnSpPr>
+          <p:nvPr/>
+        </p:nvCxnSpPr>
+        <p:spPr>
+          <a:xfrm>
+            <a:off x="5371563" y="1562193"/>
+            <a:ext cx="273000" cy="431764"/>
+          </a:xfrm>
+          <a:prstGeom prst="straightConnector1">
+            <a:avLst/>
+          </a:prstGeom>
+          <a:ln w="38100">
+            <a:solidFill>
+              <a:srgbClr val="FF0000"/>
+            </a:solidFill>
+            <a:tailEnd type="triangle"/>
+          </a:ln>
+        </p:spPr>
+        <p:style>
+          <a:lnRef idx="3">
+            <a:schemeClr val="dk1"/>
+          </a:lnRef>
+          <a:fillRef idx="0">
+            <a:schemeClr val="dk1"/>
+          </a:fillRef>
+          <a:effectRef idx="2">
+            <a:schemeClr val="dk1"/>
+          </a:effectRef>
+          <a:fontRef idx="minor">
+            <a:schemeClr val="tx1"/>
+          </a:fontRef>
+        </p:style>
+      </p:cxnSp>
+      <p:cxnSp>
+        <p:nvCxnSpPr>
+          <p:cNvPr id="92" name="直線矢印コネクタ 91">
+            <a:extLst>
+              <a:ext uri="{FF2B5EF4-FFF2-40B4-BE49-F238E27FC236}">
+                <a16:creationId xmlns:a16="http://schemas.microsoft.com/office/drawing/2014/main" id="{96BDC09D-A682-4306-9ED3-9F9EBAA441ED}"/>
+              </a:ext>
+            </a:extLst>
+          </p:cNvPr>
+          <p:cNvCxnSpPr>
+            <a:cxnSpLocks/>
+          </p:cNvCxnSpPr>
+          <p:nvPr/>
+        </p:nvCxnSpPr>
+        <p:spPr>
+          <a:xfrm flipV="1">
+            <a:off x="5659616" y="2563646"/>
+            <a:ext cx="359236" cy="163546"/>
+          </a:xfrm>
+          <a:prstGeom prst="straightConnector1">
+            <a:avLst/>
+          </a:prstGeom>
+          <a:ln w="38100">
+            <a:solidFill>
+              <a:srgbClr val="FF0000"/>
+            </a:solidFill>
+            <a:tailEnd type="triangle"/>
+          </a:ln>
+        </p:spPr>
+        <p:style>
+          <a:lnRef idx="3">
+            <a:schemeClr val="dk1"/>
+          </a:lnRef>
+          <a:fillRef idx="0">
+            <a:schemeClr val="dk1"/>
+          </a:fillRef>
+          <a:effectRef idx="2">
+            <a:schemeClr val="dk1"/>
+          </a:effectRef>
+          <a:fontRef idx="minor">
+            <a:schemeClr val="tx1"/>
+          </a:fontRef>
+        </p:style>
+      </p:cxnSp>
+      <p:cxnSp>
+        <p:nvCxnSpPr>
+          <p:cNvPr id="93" name="直線矢印コネクタ 92">
+            <a:extLst>
+              <a:ext uri="{FF2B5EF4-FFF2-40B4-BE49-F238E27FC236}">
+                <a16:creationId xmlns:a16="http://schemas.microsoft.com/office/drawing/2014/main" id="{F6BEC4FA-0F11-4F3A-8382-77106A0578EF}"/>
+              </a:ext>
+            </a:extLst>
+          </p:cNvPr>
+          <p:cNvCxnSpPr>
+            <a:cxnSpLocks/>
+          </p:cNvCxnSpPr>
+          <p:nvPr/>
+        </p:nvCxnSpPr>
+        <p:spPr>
+          <a:xfrm flipH="1">
+            <a:off x="6533171" y="1510089"/>
+            <a:ext cx="311839" cy="108853"/>
+          </a:xfrm>
+          <a:prstGeom prst="straightConnector1">
+            <a:avLst/>
+          </a:prstGeom>
+          <a:ln w="38100">
+            <a:solidFill>
+              <a:srgbClr val="FF0000"/>
+            </a:solidFill>
+            <a:tailEnd type="triangle"/>
+          </a:ln>
+        </p:spPr>
+        <p:style>
+          <a:lnRef idx="3">
+            <a:schemeClr val="dk1"/>
+          </a:lnRef>
+          <a:fillRef idx="0">
+            <a:schemeClr val="dk1"/>
+          </a:fillRef>
+          <a:effectRef idx="2">
+            <a:schemeClr val="dk1"/>
+          </a:effectRef>
+          <a:fontRef idx="minor">
+            <a:schemeClr val="tx1"/>
+          </a:fontRef>
+        </p:style>
+      </p:cxnSp>
+      <p:sp>
+        <p:nvSpPr>
+          <p:cNvPr id="94" name="テキスト ボックス 68">
+            <a:extLst>
+              <a:ext uri="{FF2B5EF4-FFF2-40B4-BE49-F238E27FC236}">
+                <a16:creationId xmlns:a16="http://schemas.microsoft.com/office/drawing/2014/main" id="{73B0C4DA-FD2B-4DC9-98B8-5009353B0590}"/>
+              </a:ext>
+            </a:extLst>
+          </p:cNvPr>
+          <p:cNvSpPr txBox="1"/>
+          <p:nvPr/>
+        </p:nvSpPr>
+        <p:spPr>
+          <a:xfrm>
+            <a:off x="6008" y="825680"/>
+            <a:ext cx="2020105" cy="830997"/>
+          </a:xfrm>
+          <a:prstGeom prst="rect">
+            <a:avLst/>
+          </a:prstGeom>
+          <a:noFill/>
+        </p:spPr>
+        <p:txBody>
+          <a:bodyPr wrap="none" rtlCol="0">
+            <a:spAutoFit/>
+          </a:bodyPr>
+          <a:lstStyle>
+            <a:defPPr>
+              <a:defRPr lang="ja-JP"/>
+            </a:defPPr>
+            <a:lvl1pPr marL="0" algn="l" defTabSz="914400" rtl="0" eaLnBrk="1" latinLnBrk="0" hangingPunct="1">
+              <a:defRPr kumimoji="1" sz="1800" kern="1200">
+                <a:solidFill>
+                  <a:schemeClr val="tx1"/>
+                </a:solidFill>
+                <a:latin typeface="+mn-lt"/>
+                <a:ea typeface="+mn-ea"/>
+                <a:cs typeface="+mn-cs"/>
+              </a:defRPr>
+            </a:lvl1pPr>
+            <a:lvl2pPr marL="457200" algn="l" defTabSz="914400" rtl="0" eaLnBrk="1" latinLnBrk="0" hangingPunct="1">
+              <a:defRPr kumimoji="1" sz="1800" kern="1200">
+                <a:solidFill>
+                  <a:schemeClr val="tx1"/>
+                </a:solidFill>
+                <a:latin typeface="+mn-lt"/>
+                <a:ea typeface="+mn-ea"/>
+                <a:cs typeface="+mn-cs"/>
+              </a:defRPr>
+            </a:lvl2pPr>
+            <a:lvl3pPr marL="914400" algn="l" defTabSz="914400" rtl="0" eaLnBrk="1" latinLnBrk="0" hangingPunct="1">
+              <a:defRPr kumimoji="1" sz="1800" kern="1200">
+                <a:solidFill>
+                  <a:schemeClr val="tx1"/>
+                </a:solidFill>
+                <a:latin typeface="+mn-lt"/>
+                <a:ea typeface="+mn-ea"/>
+                <a:cs typeface="+mn-cs"/>
+              </a:defRPr>
+            </a:lvl3pPr>
+            <a:lvl4pPr marL="1371600" algn="l" defTabSz="914400" rtl="0" eaLnBrk="1" latinLnBrk="0" hangingPunct="1">
+              <a:defRPr kumimoji="1" sz="1800" kern="1200">
+                <a:solidFill>
+                  <a:schemeClr val="tx1"/>
+                </a:solidFill>
+                <a:latin typeface="+mn-lt"/>
+                <a:ea typeface="+mn-ea"/>
+                <a:cs typeface="+mn-cs"/>
+              </a:defRPr>
+            </a:lvl4pPr>
+            <a:lvl5pPr marL="1828800" algn="l" defTabSz="914400" rtl="0" eaLnBrk="1" latinLnBrk="0" hangingPunct="1">
+              <a:defRPr kumimoji="1" sz="1800" kern="1200">
+                <a:solidFill>
+                  <a:schemeClr val="tx1"/>
+                </a:solidFill>
+                <a:latin typeface="+mn-lt"/>
+                <a:ea typeface="+mn-ea"/>
+                <a:cs typeface="+mn-cs"/>
+              </a:defRPr>
+            </a:lvl5pPr>
+            <a:lvl6pPr marL="2286000" algn="l" defTabSz="914400" rtl="0" eaLnBrk="1" latinLnBrk="0" hangingPunct="1">
+              <a:defRPr kumimoji="1" sz="1800" kern="1200">
+                <a:solidFill>
+                  <a:schemeClr val="tx1"/>
+                </a:solidFill>
+                <a:latin typeface="+mn-lt"/>
+                <a:ea typeface="+mn-ea"/>
+                <a:cs typeface="+mn-cs"/>
+              </a:defRPr>
+            </a:lvl6pPr>
+            <a:lvl7pPr marL="2743200" algn="l" defTabSz="914400" rtl="0" eaLnBrk="1" latinLnBrk="0" hangingPunct="1">
+              <a:defRPr kumimoji="1" sz="1800" kern="1200">
+                <a:solidFill>
+                  <a:schemeClr val="tx1"/>
+                </a:solidFill>
+                <a:latin typeface="+mn-lt"/>
+                <a:ea typeface="+mn-ea"/>
+                <a:cs typeface="+mn-cs"/>
+              </a:defRPr>
+            </a:lvl7pPr>
+            <a:lvl8pPr marL="3200400" algn="l" defTabSz="914400" rtl="0" eaLnBrk="1" latinLnBrk="0" hangingPunct="1">
+              <a:defRPr kumimoji="1" sz="1800" kern="1200">
+                <a:solidFill>
+                  <a:schemeClr val="tx1"/>
+                </a:solidFill>
+                <a:latin typeface="+mn-lt"/>
+                <a:ea typeface="+mn-ea"/>
+                <a:cs typeface="+mn-cs"/>
+              </a:defRPr>
+            </a:lvl8pPr>
+            <a:lvl9pPr marL="3657600" algn="l" defTabSz="914400" rtl="0" eaLnBrk="1" latinLnBrk="0" hangingPunct="1">
+              <a:defRPr kumimoji="1" sz="1800" kern="1200">
+                <a:solidFill>
+                  <a:schemeClr val="tx1"/>
+                </a:solidFill>
+                <a:latin typeface="+mn-lt"/>
+                <a:ea typeface="+mn-ea"/>
+                <a:cs typeface="+mn-cs"/>
+              </a:defRPr>
+            </a:lvl9pPr>
+          </a:lstStyle>
+          <a:p>
+            <a:r>
+              <a:rPr kumimoji="1" lang="en-US" altLang="ja-JP" sz="2400" b="1" dirty="0">
+                <a:solidFill>
+                  <a:schemeClr val="accent6">
+                    <a:lumMod val="60000"/>
+                    <a:lumOff val="40000"/>
+                  </a:schemeClr>
+                </a:solidFill>
+                <a:latin typeface="+mn-ea"/>
+              </a:rPr>
+              <a:t>150+100</a:t>
+            </a:r>
+          </a:p>
+          <a:p>
+            <a:r>
+              <a:rPr lang="en-US" altLang="ja-JP" sz="2400" b="1" dirty="0">
+                <a:solidFill>
+                  <a:schemeClr val="accent6">
+                    <a:lumMod val="60000"/>
+                    <a:lumOff val="40000"/>
+                  </a:schemeClr>
+                </a:solidFill>
+                <a:latin typeface="+mn-ea"/>
+              </a:rPr>
+              <a:t>(VVF2.0-2C)</a:t>
+            </a:r>
+            <a:endParaRPr kumimoji="1" lang="ja-JP" altLang="en-US" sz="2400" b="1" dirty="0">
+              <a:solidFill>
+                <a:schemeClr val="accent6">
+                  <a:lumMod val="60000"/>
+                  <a:lumOff val="40000"/>
+                </a:schemeClr>
+              </a:solidFill>
+              <a:latin typeface="+mn-ea"/>
+            </a:endParaRPr>
+          </a:p>
+        </p:txBody>
+      </p:sp>
+      <p:sp>
+        <p:nvSpPr>
+          <p:cNvPr id="95" name="テキスト ボックス 68">
+            <a:extLst>
+              <a:ext uri="{FF2B5EF4-FFF2-40B4-BE49-F238E27FC236}">
+                <a16:creationId xmlns:a16="http://schemas.microsoft.com/office/drawing/2014/main" id="{C8D53164-0373-47E9-B63C-51FB6086ABDE}"/>
+              </a:ext>
+            </a:extLst>
+          </p:cNvPr>
+          <p:cNvSpPr txBox="1"/>
+          <p:nvPr/>
+        </p:nvSpPr>
+        <p:spPr>
+          <a:xfrm>
+            <a:off x="226969" y="4557121"/>
+            <a:ext cx="2230098" cy="461665"/>
+          </a:xfrm>
+          <a:prstGeom prst="rect">
+            <a:avLst/>
+          </a:prstGeom>
+          <a:noFill/>
+        </p:spPr>
+        <p:txBody>
+          <a:bodyPr wrap="none" rtlCol="0">
+            <a:spAutoFit/>
+          </a:bodyPr>
+          <a:lstStyle>
+            <a:defPPr>
+              <a:defRPr lang="ja-JP"/>
+            </a:defPPr>
+            <a:lvl1pPr marL="0" algn="l" defTabSz="914400" rtl="0" eaLnBrk="1" latinLnBrk="0" hangingPunct="1">
+              <a:defRPr kumimoji="1" sz="1800" kern="1200">
+                <a:solidFill>
+                  <a:schemeClr val="tx1"/>
+                </a:solidFill>
+                <a:latin typeface="+mn-lt"/>
+                <a:ea typeface="+mn-ea"/>
+                <a:cs typeface="+mn-cs"/>
+              </a:defRPr>
+            </a:lvl1pPr>
+            <a:lvl2pPr marL="457200" algn="l" defTabSz="914400" rtl="0" eaLnBrk="1" latinLnBrk="0" hangingPunct="1">
+              <a:defRPr kumimoji="1" sz="1800" kern="1200">
+                <a:solidFill>
+                  <a:schemeClr val="tx1"/>
+                </a:solidFill>
+                <a:latin typeface="+mn-lt"/>
+                <a:ea typeface="+mn-ea"/>
+                <a:cs typeface="+mn-cs"/>
+              </a:defRPr>
+            </a:lvl2pPr>
+            <a:lvl3pPr marL="914400" algn="l" defTabSz="914400" rtl="0" eaLnBrk="1" latinLnBrk="0" hangingPunct="1">
+              <a:defRPr kumimoji="1" sz="1800" kern="1200">
+                <a:solidFill>
+                  <a:schemeClr val="tx1"/>
+                </a:solidFill>
+                <a:latin typeface="+mn-lt"/>
+                <a:ea typeface="+mn-ea"/>
+                <a:cs typeface="+mn-cs"/>
+              </a:defRPr>
+            </a:lvl3pPr>
+            <a:lvl4pPr marL="1371600" algn="l" defTabSz="914400" rtl="0" eaLnBrk="1" latinLnBrk="0" hangingPunct="1">
+              <a:defRPr kumimoji="1" sz="1800" kern="1200">
+                <a:solidFill>
+                  <a:schemeClr val="tx1"/>
+                </a:solidFill>
+                <a:latin typeface="+mn-lt"/>
+                <a:ea typeface="+mn-ea"/>
+                <a:cs typeface="+mn-cs"/>
+              </a:defRPr>
+            </a:lvl4pPr>
+            <a:lvl5pPr marL="1828800" algn="l" defTabSz="914400" rtl="0" eaLnBrk="1" latinLnBrk="0" hangingPunct="1">
+              <a:defRPr kumimoji="1" sz="1800" kern="1200">
+                <a:solidFill>
+                  <a:schemeClr val="tx1"/>
+                </a:solidFill>
+                <a:latin typeface="+mn-lt"/>
+                <a:ea typeface="+mn-ea"/>
+                <a:cs typeface="+mn-cs"/>
+              </a:defRPr>
+            </a:lvl5pPr>
+            <a:lvl6pPr marL="2286000" algn="l" defTabSz="914400" rtl="0" eaLnBrk="1" latinLnBrk="0" hangingPunct="1">
+              <a:defRPr kumimoji="1" sz="1800" kern="1200">
+                <a:solidFill>
+                  <a:schemeClr val="tx1"/>
+                </a:solidFill>
+                <a:latin typeface="+mn-lt"/>
+                <a:ea typeface="+mn-ea"/>
+                <a:cs typeface="+mn-cs"/>
+              </a:defRPr>
+            </a:lvl6pPr>
+            <a:lvl7pPr marL="2743200" algn="l" defTabSz="914400" rtl="0" eaLnBrk="1" latinLnBrk="0" hangingPunct="1">
+              <a:defRPr kumimoji="1" sz="1800" kern="1200">
+                <a:solidFill>
+                  <a:schemeClr val="tx1"/>
+                </a:solidFill>
+                <a:latin typeface="+mn-lt"/>
+                <a:ea typeface="+mn-ea"/>
+                <a:cs typeface="+mn-cs"/>
+              </a:defRPr>
+            </a:lvl7pPr>
+            <a:lvl8pPr marL="3200400" algn="l" defTabSz="914400" rtl="0" eaLnBrk="1" latinLnBrk="0" hangingPunct="1">
+              <a:defRPr kumimoji="1" sz="1800" kern="1200">
+                <a:solidFill>
+                  <a:schemeClr val="tx1"/>
+                </a:solidFill>
+                <a:latin typeface="+mn-lt"/>
+                <a:ea typeface="+mn-ea"/>
+                <a:cs typeface="+mn-cs"/>
+              </a:defRPr>
+            </a:lvl8pPr>
+            <a:lvl9pPr marL="3657600" algn="l" defTabSz="914400" rtl="0" eaLnBrk="1" latinLnBrk="0" hangingPunct="1">
+              <a:defRPr kumimoji="1" sz="1800" kern="1200">
+                <a:solidFill>
+                  <a:schemeClr val="tx1"/>
+                </a:solidFill>
+                <a:latin typeface="+mn-lt"/>
+                <a:ea typeface="+mn-ea"/>
+                <a:cs typeface="+mn-cs"/>
+              </a:defRPr>
+            </a:lvl9pPr>
+          </a:lstStyle>
+          <a:p>
+            <a:r>
+              <a:rPr kumimoji="1" lang="en-US" altLang="ja-JP" sz="2400" b="1" dirty="0">
+                <a:solidFill>
+                  <a:schemeClr val="accent6">
+                    <a:lumMod val="60000"/>
+                    <a:lumOff val="40000"/>
+                  </a:schemeClr>
+                </a:solidFill>
+                <a:latin typeface="+mn-ea"/>
+              </a:rPr>
+              <a:t>100+150+100</a:t>
+            </a:r>
+            <a:endParaRPr kumimoji="1" lang="ja-JP" altLang="en-US" sz="2400" b="1" dirty="0">
+              <a:solidFill>
+                <a:schemeClr val="accent6">
+                  <a:lumMod val="60000"/>
+                  <a:lumOff val="40000"/>
+                </a:schemeClr>
+              </a:solidFill>
+              <a:latin typeface="+mn-ea"/>
+            </a:endParaRPr>
+          </a:p>
+        </p:txBody>
+      </p:sp>
+      <p:sp>
+        <p:nvSpPr>
+          <p:cNvPr id="96" name="テキスト ボックス 68">
+            <a:extLst>
+              <a:ext uri="{FF2B5EF4-FFF2-40B4-BE49-F238E27FC236}">
+                <a16:creationId xmlns:a16="http://schemas.microsoft.com/office/drawing/2014/main" id="{5064275B-A926-4B41-A569-67DC679039C6}"/>
+              </a:ext>
+            </a:extLst>
+          </p:cNvPr>
+          <p:cNvSpPr txBox="1"/>
+          <p:nvPr/>
+        </p:nvSpPr>
+        <p:spPr>
+          <a:xfrm>
+            <a:off x="2697904" y="2052539"/>
+            <a:ext cx="2230098" cy="461665"/>
+          </a:xfrm>
+          <a:prstGeom prst="rect">
+            <a:avLst/>
+          </a:prstGeom>
+          <a:noFill/>
+        </p:spPr>
+        <p:txBody>
+          <a:bodyPr wrap="none" rtlCol="0">
+            <a:spAutoFit/>
+          </a:bodyPr>
+          <a:lstStyle>
+            <a:defPPr>
+              <a:defRPr lang="ja-JP"/>
+            </a:defPPr>
+            <a:lvl1pPr marL="0" algn="l" defTabSz="914400" rtl="0" eaLnBrk="1" latinLnBrk="0" hangingPunct="1">
+              <a:defRPr kumimoji="1" sz="1800" kern="1200">
+                <a:solidFill>
+                  <a:schemeClr val="tx1"/>
+                </a:solidFill>
+                <a:latin typeface="+mn-lt"/>
+                <a:ea typeface="+mn-ea"/>
+                <a:cs typeface="+mn-cs"/>
+              </a:defRPr>
+            </a:lvl1pPr>
+            <a:lvl2pPr marL="457200" algn="l" defTabSz="914400" rtl="0" eaLnBrk="1" latinLnBrk="0" hangingPunct="1">
+              <a:defRPr kumimoji="1" sz="1800" kern="1200">
+                <a:solidFill>
+                  <a:schemeClr val="tx1"/>
+                </a:solidFill>
+                <a:latin typeface="+mn-lt"/>
+                <a:ea typeface="+mn-ea"/>
+                <a:cs typeface="+mn-cs"/>
+              </a:defRPr>
+            </a:lvl2pPr>
+            <a:lvl3pPr marL="914400" algn="l" defTabSz="914400" rtl="0" eaLnBrk="1" latinLnBrk="0" hangingPunct="1">
+              <a:defRPr kumimoji="1" sz="1800" kern="1200">
+                <a:solidFill>
+                  <a:schemeClr val="tx1"/>
+                </a:solidFill>
+                <a:latin typeface="+mn-lt"/>
+                <a:ea typeface="+mn-ea"/>
+                <a:cs typeface="+mn-cs"/>
+              </a:defRPr>
+            </a:lvl3pPr>
+            <a:lvl4pPr marL="1371600" algn="l" defTabSz="914400" rtl="0" eaLnBrk="1" latinLnBrk="0" hangingPunct="1">
+              <a:defRPr kumimoji="1" sz="1800" kern="1200">
+                <a:solidFill>
+                  <a:schemeClr val="tx1"/>
+                </a:solidFill>
+                <a:latin typeface="+mn-lt"/>
+                <a:ea typeface="+mn-ea"/>
+                <a:cs typeface="+mn-cs"/>
+              </a:defRPr>
+            </a:lvl4pPr>
+            <a:lvl5pPr marL="1828800" algn="l" defTabSz="914400" rtl="0" eaLnBrk="1" latinLnBrk="0" hangingPunct="1">
+              <a:defRPr kumimoji="1" sz="1800" kern="1200">
+                <a:solidFill>
+                  <a:schemeClr val="tx1"/>
+                </a:solidFill>
+                <a:latin typeface="+mn-lt"/>
+                <a:ea typeface="+mn-ea"/>
+                <a:cs typeface="+mn-cs"/>
+              </a:defRPr>
+            </a:lvl5pPr>
+            <a:lvl6pPr marL="2286000" algn="l" defTabSz="914400" rtl="0" eaLnBrk="1" latinLnBrk="0" hangingPunct="1">
+              <a:defRPr kumimoji="1" sz="1800" kern="1200">
+                <a:solidFill>
+                  <a:schemeClr val="tx1"/>
+                </a:solidFill>
+                <a:latin typeface="+mn-lt"/>
+                <a:ea typeface="+mn-ea"/>
+                <a:cs typeface="+mn-cs"/>
+              </a:defRPr>
+            </a:lvl6pPr>
+            <a:lvl7pPr marL="2743200" algn="l" defTabSz="914400" rtl="0" eaLnBrk="1" latinLnBrk="0" hangingPunct="1">
+              <a:defRPr kumimoji="1" sz="1800" kern="1200">
+                <a:solidFill>
+                  <a:schemeClr val="tx1"/>
+                </a:solidFill>
+                <a:latin typeface="+mn-lt"/>
+                <a:ea typeface="+mn-ea"/>
+                <a:cs typeface="+mn-cs"/>
+              </a:defRPr>
+            </a:lvl7pPr>
+            <a:lvl8pPr marL="3200400" algn="l" defTabSz="914400" rtl="0" eaLnBrk="1" latinLnBrk="0" hangingPunct="1">
+              <a:defRPr kumimoji="1" sz="1800" kern="1200">
+                <a:solidFill>
+                  <a:schemeClr val="tx1"/>
+                </a:solidFill>
+                <a:latin typeface="+mn-lt"/>
+                <a:ea typeface="+mn-ea"/>
+                <a:cs typeface="+mn-cs"/>
+              </a:defRPr>
+            </a:lvl8pPr>
+            <a:lvl9pPr marL="3657600" algn="l" defTabSz="914400" rtl="0" eaLnBrk="1" latinLnBrk="0" hangingPunct="1">
+              <a:defRPr kumimoji="1" sz="1800" kern="1200">
+                <a:solidFill>
+                  <a:schemeClr val="tx1"/>
+                </a:solidFill>
+                <a:latin typeface="+mn-lt"/>
+                <a:ea typeface="+mn-ea"/>
+                <a:cs typeface="+mn-cs"/>
+              </a:defRPr>
+            </a:lvl9pPr>
+          </a:lstStyle>
+          <a:p>
+            <a:r>
+              <a:rPr kumimoji="1" lang="en-US" altLang="ja-JP" sz="2400" b="1" dirty="0">
+                <a:solidFill>
+                  <a:schemeClr val="accent6">
+                    <a:lumMod val="60000"/>
+                    <a:lumOff val="40000"/>
+                  </a:schemeClr>
+                </a:solidFill>
+                <a:latin typeface="+mn-ea"/>
+              </a:rPr>
+              <a:t>100+150+100</a:t>
+            </a:r>
+            <a:endParaRPr kumimoji="1" lang="ja-JP" altLang="en-US" sz="2400" b="1" dirty="0">
+              <a:solidFill>
+                <a:schemeClr val="accent6">
+                  <a:lumMod val="60000"/>
+                  <a:lumOff val="40000"/>
+                </a:schemeClr>
+              </a:solidFill>
+              <a:latin typeface="+mn-ea"/>
+            </a:endParaRPr>
+          </a:p>
+        </p:txBody>
+      </p:sp>
+      <p:sp>
+        <p:nvSpPr>
+          <p:cNvPr id="97" name="テキスト ボックス 68">
+            <a:extLst>
+              <a:ext uri="{FF2B5EF4-FFF2-40B4-BE49-F238E27FC236}">
+                <a16:creationId xmlns:a16="http://schemas.microsoft.com/office/drawing/2014/main" id="{720392C9-2A24-4839-A718-DAC78B2BD7F2}"/>
+              </a:ext>
+            </a:extLst>
+          </p:cNvPr>
+          <p:cNvSpPr txBox="1"/>
+          <p:nvPr/>
+        </p:nvSpPr>
+        <p:spPr>
+          <a:xfrm>
+            <a:off x="4970755" y="4292667"/>
+            <a:ext cx="2230098" cy="461665"/>
+          </a:xfrm>
+          <a:prstGeom prst="rect">
+            <a:avLst/>
+          </a:prstGeom>
+          <a:noFill/>
+        </p:spPr>
+        <p:txBody>
+          <a:bodyPr wrap="none" rtlCol="0">
+            <a:spAutoFit/>
+          </a:bodyPr>
+          <a:lstStyle>
+            <a:defPPr>
+              <a:defRPr lang="ja-JP"/>
+            </a:defPPr>
+            <a:lvl1pPr marL="0" algn="l" defTabSz="914400" rtl="0" eaLnBrk="1" latinLnBrk="0" hangingPunct="1">
+              <a:defRPr kumimoji="1" sz="1800" kern="1200">
+                <a:solidFill>
+                  <a:schemeClr val="tx1"/>
+                </a:solidFill>
+                <a:latin typeface="+mn-lt"/>
+                <a:ea typeface="+mn-ea"/>
+                <a:cs typeface="+mn-cs"/>
+              </a:defRPr>
+            </a:lvl1pPr>
+            <a:lvl2pPr marL="457200" algn="l" defTabSz="914400" rtl="0" eaLnBrk="1" latinLnBrk="0" hangingPunct="1">
+              <a:defRPr kumimoji="1" sz="1800" kern="1200">
+                <a:solidFill>
+                  <a:schemeClr val="tx1"/>
+                </a:solidFill>
+                <a:latin typeface="+mn-lt"/>
+                <a:ea typeface="+mn-ea"/>
+                <a:cs typeface="+mn-cs"/>
+              </a:defRPr>
+            </a:lvl2pPr>
+            <a:lvl3pPr marL="914400" algn="l" defTabSz="914400" rtl="0" eaLnBrk="1" latinLnBrk="0" hangingPunct="1">
+              <a:defRPr kumimoji="1" sz="1800" kern="1200">
+                <a:solidFill>
+                  <a:schemeClr val="tx1"/>
+                </a:solidFill>
+                <a:latin typeface="+mn-lt"/>
+                <a:ea typeface="+mn-ea"/>
+                <a:cs typeface="+mn-cs"/>
+              </a:defRPr>
+            </a:lvl3pPr>
+            <a:lvl4pPr marL="1371600" algn="l" defTabSz="914400" rtl="0" eaLnBrk="1" latinLnBrk="0" hangingPunct="1">
+              <a:defRPr kumimoji="1" sz="1800" kern="1200">
+                <a:solidFill>
+                  <a:schemeClr val="tx1"/>
+                </a:solidFill>
+                <a:latin typeface="+mn-lt"/>
+                <a:ea typeface="+mn-ea"/>
+                <a:cs typeface="+mn-cs"/>
+              </a:defRPr>
+            </a:lvl4pPr>
+            <a:lvl5pPr marL="1828800" algn="l" defTabSz="914400" rtl="0" eaLnBrk="1" latinLnBrk="0" hangingPunct="1">
+              <a:defRPr kumimoji="1" sz="1800" kern="1200">
+                <a:solidFill>
+                  <a:schemeClr val="tx1"/>
+                </a:solidFill>
+                <a:latin typeface="+mn-lt"/>
+                <a:ea typeface="+mn-ea"/>
+                <a:cs typeface="+mn-cs"/>
+              </a:defRPr>
+            </a:lvl5pPr>
+            <a:lvl6pPr marL="2286000" algn="l" defTabSz="914400" rtl="0" eaLnBrk="1" latinLnBrk="0" hangingPunct="1">
+              <a:defRPr kumimoji="1" sz="1800" kern="1200">
+                <a:solidFill>
+                  <a:schemeClr val="tx1"/>
+                </a:solidFill>
+                <a:latin typeface="+mn-lt"/>
+                <a:ea typeface="+mn-ea"/>
+                <a:cs typeface="+mn-cs"/>
+              </a:defRPr>
+            </a:lvl6pPr>
+            <a:lvl7pPr marL="2743200" algn="l" defTabSz="914400" rtl="0" eaLnBrk="1" latinLnBrk="0" hangingPunct="1">
+              <a:defRPr kumimoji="1" sz="1800" kern="1200">
+                <a:solidFill>
+                  <a:schemeClr val="tx1"/>
+                </a:solidFill>
+                <a:latin typeface="+mn-lt"/>
+                <a:ea typeface="+mn-ea"/>
+                <a:cs typeface="+mn-cs"/>
+              </a:defRPr>
+            </a:lvl7pPr>
+            <a:lvl8pPr marL="3200400" algn="l" defTabSz="914400" rtl="0" eaLnBrk="1" latinLnBrk="0" hangingPunct="1">
+              <a:defRPr kumimoji="1" sz="1800" kern="1200">
+                <a:solidFill>
+                  <a:schemeClr val="tx1"/>
+                </a:solidFill>
+                <a:latin typeface="+mn-lt"/>
+                <a:ea typeface="+mn-ea"/>
+                <a:cs typeface="+mn-cs"/>
+              </a:defRPr>
+            </a:lvl8pPr>
+            <a:lvl9pPr marL="3657600" algn="l" defTabSz="914400" rtl="0" eaLnBrk="1" latinLnBrk="0" hangingPunct="1">
+              <a:defRPr kumimoji="1" sz="1800" kern="1200">
+                <a:solidFill>
+                  <a:schemeClr val="tx1"/>
+                </a:solidFill>
+                <a:latin typeface="+mn-lt"/>
+                <a:ea typeface="+mn-ea"/>
+                <a:cs typeface="+mn-cs"/>
+              </a:defRPr>
+            </a:lvl9pPr>
+          </a:lstStyle>
+          <a:p>
+            <a:r>
+              <a:rPr kumimoji="1" lang="en-US" altLang="ja-JP" sz="2400" b="1" dirty="0">
+                <a:solidFill>
+                  <a:schemeClr val="accent6">
+                    <a:lumMod val="60000"/>
+                    <a:lumOff val="40000"/>
+                  </a:schemeClr>
+                </a:solidFill>
+                <a:latin typeface="+mn-ea"/>
+              </a:rPr>
+              <a:t>100+150+100</a:t>
+            </a:r>
+            <a:endParaRPr kumimoji="1" lang="ja-JP" altLang="en-US" sz="2400" b="1" dirty="0">
+              <a:solidFill>
+                <a:schemeClr val="accent6">
+                  <a:lumMod val="60000"/>
+                  <a:lumOff val="40000"/>
+                </a:schemeClr>
+              </a:solidFill>
+              <a:latin typeface="+mn-ea"/>
+            </a:endParaRPr>
+          </a:p>
+        </p:txBody>
+      </p:sp>
+      <p:sp>
+        <p:nvSpPr>
+          <p:cNvPr id="98" name="テキスト ボックス 68">
+            <a:extLst>
+              <a:ext uri="{FF2B5EF4-FFF2-40B4-BE49-F238E27FC236}">
+                <a16:creationId xmlns:a16="http://schemas.microsoft.com/office/drawing/2014/main" id="{94CCC448-4BC9-415C-BE15-E5100CA3E394}"/>
+              </a:ext>
+            </a:extLst>
+          </p:cNvPr>
+          <p:cNvSpPr txBox="1"/>
+          <p:nvPr/>
+        </p:nvSpPr>
+        <p:spPr>
+          <a:xfrm>
+            <a:off x="6216950" y="776743"/>
+            <a:ext cx="2053767" cy="461665"/>
+          </a:xfrm>
+          <a:prstGeom prst="rect">
+            <a:avLst/>
+          </a:prstGeom>
+          <a:noFill/>
+        </p:spPr>
+        <p:txBody>
+          <a:bodyPr wrap="none" rtlCol="0">
+            <a:spAutoFit/>
+          </a:bodyPr>
+          <a:lstStyle>
+            <a:defPPr>
+              <a:defRPr lang="ja-JP"/>
+            </a:defPPr>
+            <a:lvl1pPr marL="0" algn="l" defTabSz="914400" rtl="0" eaLnBrk="1" latinLnBrk="0" hangingPunct="1">
+              <a:defRPr kumimoji="1" sz="1800" kern="1200">
+                <a:solidFill>
+                  <a:schemeClr val="tx1"/>
+                </a:solidFill>
+                <a:latin typeface="+mn-lt"/>
+                <a:ea typeface="+mn-ea"/>
+                <a:cs typeface="+mn-cs"/>
+              </a:defRPr>
+            </a:lvl1pPr>
+            <a:lvl2pPr marL="457200" algn="l" defTabSz="914400" rtl="0" eaLnBrk="1" latinLnBrk="0" hangingPunct="1">
+              <a:defRPr kumimoji="1" sz="1800" kern="1200">
+                <a:solidFill>
+                  <a:schemeClr val="tx1"/>
+                </a:solidFill>
+                <a:latin typeface="+mn-lt"/>
+                <a:ea typeface="+mn-ea"/>
+                <a:cs typeface="+mn-cs"/>
+              </a:defRPr>
+            </a:lvl2pPr>
+            <a:lvl3pPr marL="914400" algn="l" defTabSz="914400" rtl="0" eaLnBrk="1" latinLnBrk="0" hangingPunct="1">
+              <a:defRPr kumimoji="1" sz="1800" kern="1200">
+                <a:solidFill>
+                  <a:schemeClr val="tx1"/>
+                </a:solidFill>
+                <a:latin typeface="+mn-lt"/>
+                <a:ea typeface="+mn-ea"/>
+                <a:cs typeface="+mn-cs"/>
+              </a:defRPr>
+            </a:lvl3pPr>
+            <a:lvl4pPr marL="1371600" algn="l" defTabSz="914400" rtl="0" eaLnBrk="1" latinLnBrk="0" hangingPunct="1">
+              <a:defRPr kumimoji="1" sz="1800" kern="1200">
+                <a:solidFill>
+                  <a:schemeClr val="tx1"/>
+                </a:solidFill>
+                <a:latin typeface="+mn-lt"/>
+                <a:ea typeface="+mn-ea"/>
+                <a:cs typeface="+mn-cs"/>
+              </a:defRPr>
+            </a:lvl4pPr>
+            <a:lvl5pPr marL="1828800" algn="l" defTabSz="914400" rtl="0" eaLnBrk="1" latinLnBrk="0" hangingPunct="1">
+              <a:defRPr kumimoji="1" sz="1800" kern="1200">
+                <a:solidFill>
+                  <a:schemeClr val="tx1"/>
+                </a:solidFill>
+                <a:latin typeface="+mn-lt"/>
+                <a:ea typeface="+mn-ea"/>
+                <a:cs typeface="+mn-cs"/>
+              </a:defRPr>
+            </a:lvl5pPr>
+            <a:lvl6pPr marL="2286000" algn="l" defTabSz="914400" rtl="0" eaLnBrk="1" latinLnBrk="0" hangingPunct="1">
+              <a:defRPr kumimoji="1" sz="1800" kern="1200">
+                <a:solidFill>
+                  <a:schemeClr val="tx1"/>
+                </a:solidFill>
+                <a:latin typeface="+mn-lt"/>
+                <a:ea typeface="+mn-ea"/>
+                <a:cs typeface="+mn-cs"/>
+              </a:defRPr>
+            </a:lvl6pPr>
+            <a:lvl7pPr marL="2743200" algn="l" defTabSz="914400" rtl="0" eaLnBrk="1" latinLnBrk="0" hangingPunct="1">
+              <a:defRPr kumimoji="1" sz="1800" kern="1200">
+                <a:solidFill>
+                  <a:schemeClr val="tx1"/>
+                </a:solidFill>
+                <a:latin typeface="+mn-lt"/>
+                <a:ea typeface="+mn-ea"/>
+                <a:cs typeface="+mn-cs"/>
+              </a:defRPr>
+            </a:lvl7pPr>
+            <a:lvl8pPr marL="3200400" algn="l" defTabSz="914400" rtl="0" eaLnBrk="1" latinLnBrk="0" hangingPunct="1">
+              <a:defRPr kumimoji="1" sz="1800" kern="1200">
+                <a:solidFill>
+                  <a:schemeClr val="tx1"/>
+                </a:solidFill>
+                <a:latin typeface="+mn-lt"/>
+                <a:ea typeface="+mn-ea"/>
+                <a:cs typeface="+mn-cs"/>
+              </a:defRPr>
+            </a:lvl8pPr>
+            <a:lvl9pPr marL="3657600" algn="l" defTabSz="914400" rtl="0" eaLnBrk="1" latinLnBrk="0" hangingPunct="1">
+              <a:defRPr kumimoji="1" sz="1800" kern="1200">
+                <a:solidFill>
+                  <a:schemeClr val="tx1"/>
+                </a:solidFill>
+                <a:latin typeface="+mn-lt"/>
+                <a:ea typeface="+mn-ea"/>
+                <a:cs typeface="+mn-cs"/>
+              </a:defRPr>
+            </a:lvl9pPr>
+          </a:lstStyle>
+          <a:p>
+            <a:r>
+              <a:rPr kumimoji="1" lang="en-US" altLang="ja-JP" sz="2400" b="1" dirty="0">
+                <a:solidFill>
+                  <a:schemeClr val="accent6">
+                    <a:lumMod val="60000"/>
+                    <a:lumOff val="40000"/>
+                  </a:schemeClr>
+                </a:solidFill>
+                <a:latin typeface="+mn-ea"/>
+              </a:rPr>
+              <a:t>50+150+100</a:t>
+            </a:r>
+            <a:endParaRPr kumimoji="1" lang="ja-JP" altLang="en-US" sz="2400" b="1" dirty="0">
+              <a:solidFill>
+                <a:schemeClr val="accent6">
+                  <a:lumMod val="60000"/>
+                  <a:lumOff val="40000"/>
+                </a:schemeClr>
+              </a:solidFill>
+              <a:latin typeface="+mn-ea"/>
+            </a:endParaRPr>
+          </a:p>
+        </p:txBody>
+      </p:sp>
+      <p:sp>
+        <p:nvSpPr>
+          <p:cNvPr id="99" name="テキスト ボックス 68">
+            <a:extLst>
+              <a:ext uri="{FF2B5EF4-FFF2-40B4-BE49-F238E27FC236}">
+                <a16:creationId xmlns:a16="http://schemas.microsoft.com/office/drawing/2014/main" id="{092E01ED-B34B-4F9E-9091-8B370F9643B9}"/>
+              </a:ext>
+            </a:extLst>
+          </p:cNvPr>
+          <p:cNvSpPr txBox="1"/>
+          <p:nvPr/>
+        </p:nvSpPr>
+        <p:spPr>
+          <a:xfrm>
+            <a:off x="6544782" y="1722558"/>
+            <a:ext cx="2053767" cy="461665"/>
+          </a:xfrm>
+          <a:prstGeom prst="rect">
+            <a:avLst/>
+          </a:prstGeom>
+          <a:noFill/>
+        </p:spPr>
+        <p:txBody>
+          <a:bodyPr wrap="none" rtlCol="0">
+            <a:spAutoFit/>
+          </a:bodyPr>
+          <a:lstStyle>
+            <a:defPPr>
+              <a:defRPr lang="ja-JP"/>
+            </a:defPPr>
+            <a:lvl1pPr marL="0" algn="l" defTabSz="914400" rtl="0" eaLnBrk="1" latinLnBrk="0" hangingPunct="1">
+              <a:defRPr kumimoji="1" sz="1800" kern="1200">
+                <a:solidFill>
+                  <a:schemeClr val="tx1"/>
+                </a:solidFill>
+                <a:latin typeface="+mn-lt"/>
+                <a:ea typeface="+mn-ea"/>
+                <a:cs typeface="+mn-cs"/>
+              </a:defRPr>
+            </a:lvl1pPr>
+            <a:lvl2pPr marL="457200" algn="l" defTabSz="914400" rtl="0" eaLnBrk="1" latinLnBrk="0" hangingPunct="1">
+              <a:defRPr kumimoji="1" sz="1800" kern="1200">
+                <a:solidFill>
+                  <a:schemeClr val="tx1"/>
+                </a:solidFill>
+                <a:latin typeface="+mn-lt"/>
+                <a:ea typeface="+mn-ea"/>
+                <a:cs typeface="+mn-cs"/>
+              </a:defRPr>
+            </a:lvl2pPr>
+            <a:lvl3pPr marL="914400" algn="l" defTabSz="914400" rtl="0" eaLnBrk="1" latinLnBrk="0" hangingPunct="1">
+              <a:defRPr kumimoji="1" sz="1800" kern="1200">
+                <a:solidFill>
+                  <a:schemeClr val="tx1"/>
+                </a:solidFill>
+                <a:latin typeface="+mn-lt"/>
+                <a:ea typeface="+mn-ea"/>
+                <a:cs typeface="+mn-cs"/>
+              </a:defRPr>
+            </a:lvl3pPr>
+            <a:lvl4pPr marL="1371600" algn="l" defTabSz="914400" rtl="0" eaLnBrk="1" latinLnBrk="0" hangingPunct="1">
+              <a:defRPr kumimoji="1" sz="1800" kern="1200">
+                <a:solidFill>
+                  <a:schemeClr val="tx1"/>
+                </a:solidFill>
+                <a:latin typeface="+mn-lt"/>
+                <a:ea typeface="+mn-ea"/>
+                <a:cs typeface="+mn-cs"/>
+              </a:defRPr>
+            </a:lvl4pPr>
+            <a:lvl5pPr marL="1828800" algn="l" defTabSz="914400" rtl="0" eaLnBrk="1" latinLnBrk="0" hangingPunct="1">
+              <a:defRPr kumimoji="1" sz="1800" kern="1200">
+                <a:solidFill>
+                  <a:schemeClr val="tx1"/>
+                </a:solidFill>
+                <a:latin typeface="+mn-lt"/>
+                <a:ea typeface="+mn-ea"/>
+                <a:cs typeface="+mn-cs"/>
+              </a:defRPr>
+            </a:lvl5pPr>
+            <a:lvl6pPr marL="2286000" algn="l" defTabSz="914400" rtl="0" eaLnBrk="1" latinLnBrk="0" hangingPunct="1">
+              <a:defRPr kumimoji="1" sz="1800" kern="1200">
+                <a:solidFill>
+                  <a:schemeClr val="tx1"/>
+                </a:solidFill>
+                <a:latin typeface="+mn-lt"/>
+                <a:ea typeface="+mn-ea"/>
+                <a:cs typeface="+mn-cs"/>
+              </a:defRPr>
+            </a:lvl6pPr>
+            <a:lvl7pPr marL="2743200" algn="l" defTabSz="914400" rtl="0" eaLnBrk="1" latinLnBrk="0" hangingPunct="1">
+              <a:defRPr kumimoji="1" sz="1800" kern="1200">
+                <a:solidFill>
+                  <a:schemeClr val="tx1"/>
+                </a:solidFill>
+                <a:latin typeface="+mn-lt"/>
+                <a:ea typeface="+mn-ea"/>
+                <a:cs typeface="+mn-cs"/>
+              </a:defRPr>
+            </a:lvl7pPr>
+            <a:lvl8pPr marL="3200400" algn="l" defTabSz="914400" rtl="0" eaLnBrk="1" latinLnBrk="0" hangingPunct="1">
+              <a:defRPr kumimoji="1" sz="1800" kern="1200">
+                <a:solidFill>
+                  <a:schemeClr val="tx1"/>
+                </a:solidFill>
+                <a:latin typeface="+mn-lt"/>
+                <a:ea typeface="+mn-ea"/>
+                <a:cs typeface="+mn-cs"/>
+              </a:defRPr>
+            </a:lvl8pPr>
+            <a:lvl9pPr marL="3657600" algn="l" defTabSz="914400" rtl="0" eaLnBrk="1" latinLnBrk="0" hangingPunct="1">
+              <a:defRPr kumimoji="1" sz="1800" kern="1200">
+                <a:solidFill>
+                  <a:schemeClr val="tx1"/>
+                </a:solidFill>
+                <a:latin typeface="+mn-lt"/>
+                <a:ea typeface="+mn-ea"/>
+                <a:cs typeface="+mn-cs"/>
+              </a:defRPr>
+            </a:lvl9pPr>
+          </a:lstStyle>
+          <a:p>
+            <a:r>
+              <a:rPr kumimoji="1" lang="en-US" altLang="ja-JP" sz="2400" b="1" dirty="0">
+                <a:solidFill>
+                  <a:schemeClr val="accent6">
+                    <a:lumMod val="60000"/>
+                    <a:lumOff val="40000"/>
+                  </a:schemeClr>
+                </a:solidFill>
+                <a:latin typeface="+mn-ea"/>
+              </a:rPr>
+              <a:t>100+150+50</a:t>
+            </a:r>
+            <a:endParaRPr kumimoji="1" lang="ja-JP" altLang="en-US" sz="2400" b="1" dirty="0">
+              <a:solidFill>
+                <a:schemeClr val="accent6">
+                  <a:lumMod val="60000"/>
+                  <a:lumOff val="40000"/>
+                </a:schemeClr>
+              </a:solidFill>
+              <a:latin typeface="+mn-ea"/>
+            </a:endParaRPr>
+          </a:p>
+        </p:txBody>
+      </p:sp>
+      <p:sp>
+        <p:nvSpPr>
+          <p:cNvPr id="100" name="テキスト ボックス 68">
+            <a:extLst>
+              <a:ext uri="{FF2B5EF4-FFF2-40B4-BE49-F238E27FC236}">
+                <a16:creationId xmlns:a16="http://schemas.microsoft.com/office/drawing/2014/main" id="{150DC059-6818-4F6D-9AB5-DB71EF4E6B0C}"/>
+              </a:ext>
+            </a:extLst>
+          </p:cNvPr>
+          <p:cNvSpPr txBox="1"/>
+          <p:nvPr/>
+        </p:nvSpPr>
+        <p:spPr>
+          <a:xfrm>
+            <a:off x="8266974" y="3619518"/>
+            <a:ext cx="1295547" cy="461665"/>
+          </a:xfrm>
+          <a:prstGeom prst="rect">
+            <a:avLst/>
+          </a:prstGeom>
+          <a:noFill/>
+        </p:spPr>
+        <p:txBody>
+          <a:bodyPr wrap="none" rtlCol="0">
+            <a:spAutoFit/>
+          </a:bodyPr>
+          <a:lstStyle>
+            <a:defPPr>
+              <a:defRPr lang="ja-JP"/>
+            </a:defPPr>
+            <a:lvl1pPr marL="0" algn="l" defTabSz="914400" rtl="0" eaLnBrk="1" latinLnBrk="0" hangingPunct="1">
+              <a:defRPr kumimoji="1" sz="1800" kern="1200">
+                <a:solidFill>
+                  <a:schemeClr val="tx1"/>
+                </a:solidFill>
+                <a:latin typeface="+mn-lt"/>
+                <a:ea typeface="+mn-ea"/>
+                <a:cs typeface="+mn-cs"/>
+              </a:defRPr>
+            </a:lvl1pPr>
+            <a:lvl2pPr marL="457200" algn="l" defTabSz="914400" rtl="0" eaLnBrk="1" latinLnBrk="0" hangingPunct="1">
+              <a:defRPr kumimoji="1" sz="1800" kern="1200">
+                <a:solidFill>
+                  <a:schemeClr val="tx1"/>
+                </a:solidFill>
+                <a:latin typeface="+mn-lt"/>
+                <a:ea typeface="+mn-ea"/>
+                <a:cs typeface="+mn-cs"/>
+              </a:defRPr>
+            </a:lvl2pPr>
+            <a:lvl3pPr marL="914400" algn="l" defTabSz="914400" rtl="0" eaLnBrk="1" latinLnBrk="0" hangingPunct="1">
+              <a:defRPr kumimoji="1" sz="1800" kern="1200">
+                <a:solidFill>
+                  <a:schemeClr val="tx1"/>
+                </a:solidFill>
+                <a:latin typeface="+mn-lt"/>
+                <a:ea typeface="+mn-ea"/>
+                <a:cs typeface="+mn-cs"/>
+              </a:defRPr>
+            </a:lvl3pPr>
+            <a:lvl4pPr marL="1371600" algn="l" defTabSz="914400" rtl="0" eaLnBrk="1" latinLnBrk="0" hangingPunct="1">
+              <a:defRPr kumimoji="1" sz="1800" kern="1200">
+                <a:solidFill>
+                  <a:schemeClr val="tx1"/>
+                </a:solidFill>
+                <a:latin typeface="+mn-lt"/>
+                <a:ea typeface="+mn-ea"/>
+                <a:cs typeface="+mn-cs"/>
+              </a:defRPr>
+            </a:lvl4pPr>
+            <a:lvl5pPr marL="1828800" algn="l" defTabSz="914400" rtl="0" eaLnBrk="1" latinLnBrk="0" hangingPunct="1">
+              <a:defRPr kumimoji="1" sz="1800" kern="1200">
+                <a:solidFill>
+                  <a:schemeClr val="tx1"/>
+                </a:solidFill>
+                <a:latin typeface="+mn-lt"/>
+                <a:ea typeface="+mn-ea"/>
+                <a:cs typeface="+mn-cs"/>
+              </a:defRPr>
+            </a:lvl5pPr>
+            <a:lvl6pPr marL="2286000" algn="l" defTabSz="914400" rtl="0" eaLnBrk="1" latinLnBrk="0" hangingPunct="1">
+              <a:defRPr kumimoji="1" sz="1800" kern="1200">
+                <a:solidFill>
+                  <a:schemeClr val="tx1"/>
+                </a:solidFill>
+                <a:latin typeface="+mn-lt"/>
+                <a:ea typeface="+mn-ea"/>
+                <a:cs typeface="+mn-cs"/>
+              </a:defRPr>
+            </a:lvl6pPr>
+            <a:lvl7pPr marL="2743200" algn="l" defTabSz="914400" rtl="0" eaLnBrk="1" latinLnBrk="0" hangingPunct="1">
+              <a:defRPr kumimoji="1" sz="1800" kern="1200">
+                <a:solidFill>
+                  <a:schemeClr val="tx1"/>
+                </a:solidFill>
+                <a:latin typeface="+mn-lt"/>
+                <a:ea typeface="+mn-ea"/>
+                <a:cs typeface="+mn-cs"/>
+              </a:defRPr>
+            </a:lvl7pPr>
+            <a:lvl8pPr marL="3200400" algn="l" defTabSz="914400" rtl="0" eaLnBrk="1" latinLnBrk="0" hangingPunct="1">
+              <a:defRPr kumimoji="1" sz="1800" kern="1200">
+                <a:solidFill>
+                  <a:schemeClr val="tx1"/>
+                </a:solidFill>
+                <a:latin typeface="+mn-lt"/>
+                <a:ea typeface="+mn-ea"/>
+                <a:cs typeface="+mn-cs"/>
+              </a:defRPr>
+            </a:lvl8pPr>
+            <a:lvl9pPr marL="3657600" algn="l" defTabSz="914400" rtl="0" eaLnBrk="1" latinLnBrk="0" hangingPunct="1">
+              <a:defRPr kumimoji="1" sz="1800" kern="1200">
+                <a:solidFill>
+                  <a:schemeClr val="tx1"/>
+                </a:solidFill>
+                <a:latin typeface="+mn-lt"/>
+                <a:ea typeface="+mn-ea"/>
+                <a:cs typeface="+mn-cs"/>
+              </a:defRPr>
+            </a:lvl9pPr>
+          </a:lstStyle>
+          <a:p>
+            <a:r>
+              <a:rPr kumimoji="1" lang="en-US" altLang="ja-JP" sz="2400" b="1" dirty="0">
+                <a:solidFill>
+                  <a:schemeClr val="accent6">
+                    <a:lumMod val="60000"/>
+                    <a:lumOff val="40000"/>
+                  </a:schemeClr>
+                </a:solidFill>
+                <a:latin typeface="+mn-ea"/>
+              </a:rPr>
+              <a:t>50+200</a:t>
+            </a:r>
+            <a:endParaRPr kumimoji="1" lang="ja-JP" altLang="en-US" sz="2400" b="1" dirty="0">
+              <a:solidFill>
+                <a:schemeClr val="accent6">
+                  <a:lumMod val="60000"/>
+                  <a:lumOff val="40000"/>
+                </a:schemeClr>
+              </a:solidFill>
+              <a:latin typeface="+mn-ea"/>
+            </a:endParaRPr>
+          </a:p>
+        </p:txBody>
+      </p:sp>
+      <p:cxnSp>
+        <p:nvCxnSpPr>
+          <p:cNvPr id="101" name="直線コネクタ 100">
+            <a:extLst>
+              <a:ext uri="{FF2B5EF4-FFF2-40B4-BE49-F238E27FC236}">
+                <a16:creationId xmlns:a16="http://schemas.microsoft.com/office/drawing/2014/main" id="{31A19281-8555-4DA4-83E6-C0DB7AE4DFEF}"/>
+              </a:ext>
+            </a:extLst>
+          </p:cNvPr>
+          <p:cNvCxnSpPr>
+            <a:cxnSpLocks/>
+          </p:cNvCxnSpPr>
+          <p:nvPr/>
+        </p:nvCxnSpPr>
+        <p:spPr>
+          <a:xfrm flipH="1" flipV="1">
+            <a:off x="7422077" y="4750162"/>
+            <a:ext cx="1188736" cy="241"/>
+          </a:xfrm>
+          <a:prstGeom prst="line">
+            <a:avLst/>
+          </a:prstGeom>
+          <a:ln w="57150">
+            <a:solidFill>
+              <a:schemeClr val="bg2">
+                <a:lumMod val="75000"/>
+              </a:schemeClr>
+            </a:solidFill>
+            <a:prstDash val="sysDash"/>
+          </a:ln>
+        </p:spPr>
+        <p:style>
+          <a:lnRef idx="1">
+            <a:schemeClr val="accent1"/>
+          </a:lnRef>
+          <a:fillRef idx="0">
+            <a:schemeClr val="accent1"/>
+          </a:fillRef>
+          <a:effectRef idx="0">
+            <a:schemeClr val="accent1"/>
+          </a:effectRef>
+          <a:fontRef idx="minor">
+            <a:schemeClr val="tx1"/>
+          </a:fontRef>
+        </p:style>
+      </p:cxnSp>
+    </p:spTree>
+    <p:extLst>
+      <p:ext uri="{BB962C8B-B14F-4D97-AF65-F5344CB8AC3E}">
+        <p14:creationId xmlns:p14="http://schemas.microsoft.com/office/powerpoint/2010/main" val="2222872096"/>
+      </p:ext>
+    </p:extLst>
+  </p:cSld>
+  <p:clrMapOvr>
+    <a:masterClrMapping/>
+  </p:clrMapOvr>
+</p:sld>
+</file>
+
 <file path=ppt/theme/theme1.xml><?xml version="1.0" encoding="utf-8"?>
 <a:theme xmlns:a="http://schemas.openxmlformats.org/drawingml/2006/main" name="Office テーマ">
   <a:themeElements>

--- a/algorithm/electricity/03_denki-koujishi/01_kakomon/R1_1/02_jitsugi/q13/a13.pptx
+++ b/algorithm/electricity/03_denki-koujishi/01_kakomon/R1_1/02_jitsugi/q13/a13.pptx
@@ -264,7 +264,7 @@
           <a:p>
             <a:fld id="{EA6D781E-2D27-4EF7-AFED-D0940E0D7738}" type="datetimeFigureOut">
               <a:rPr kumimoji="1" lang="ja-JP" altLang="en-US" smtClean="0"/>
-              <a:t>2020/11/23</a:t>
+              <a:t>2020/11/29</a:t>
             </a:fld>
             <a:endParaRPr kumimoji="1" lang="ja-JP" altLang="en-US"/>
           </a:p>
@@ -494,7 +494,7 @@
           <a:p>
             <a:fld id="{EA6D781E-2D27-4EF7-AFED-D0940E0D7738}" type="datetimeFigureOut">
               <a:rPr kumimoji="1" lang="ja-JP" altLang="en-US" smtClean="0"/>
-              <a:t>2020/11/23</a:t>
+              <a:t>2020/11/29</a:t>
             </a:fld>
             <a:endParaRPr kumimoji="1" lang="ja-JP" altLang="en-US"/>
           </a:p>
@@ -734,7 +734,7 @@
           <a:p>
             <a:fld id="{EA6D781E-2D27-4EF7-AFED-D0940E0D7738}" type="datetimeFigureOut">
               <a:rPr kumimoji="1" lang="ja-JP" altLang="en-US" smtClean="0"/>
-              <a:t>2020/11/23</a:t>
+              <a:t>2020/11/29</a:t>
             </a:fld>
             <a:endParaRPr kumimoji="1" lang="ja-JP" altLang="en-US"/>
           </a:p>
@@ -964,7 +964,7 @@
           <a:p>
             <a:fld id="{EA6D781E-2D27-4EF7-AFED-D0940E0D7738}" type="datetimeFigureOut">
               <a:rPr kumimoji="1" lang="ja-JP" altLang="en-US" smtClean="0"/>
-              <a:t>2020/11/23</a:t>
+              <a:t>2020/11/29</a:t>
             </a:fld>
             <a:endParaRPr kumimoji="1" lang="ja-JP" altLang="en-US"/>
           </a:p>
@@ -1239,7 +1239,7 @@
           <a:p>
             <a:fld id="{EA6D781E-2D27-4EF7-AFED-D0940E0D7738}" type="datetimeFigureOut">
               <a:rPr kumimoji="1" lang="ja-JP" altLang="en-US" smtClean="0"/>
-              <a:t>2020/11/23</a:t>
+              <a:t>2020/11/29</a:t>
             </a:fld>
             <a:endParaRPr kumimoji="1" lang="ja-JP" altLang="en-US"/>
           </a:p>
@@ -1568,7 +1568,7 @@
           <a:p>
             <a:fld id="{EA6D781E-2D27-4EF7-AFED-D0940E0D7738}" type="datetimeFigureOut">
               <a:rPr kumimoji="1" lang="ja-JP" altLang="en-US" smtClean="0"/>
-              <a:t>2020/11/23</a:t>
+              <a:t>2020/11/29</a:t>
             </a:fld>
             <a:endParaRPr kumimoji="1" lang="ja-JP" altLang="en-US"/>
           </a:p>
@@ -2044,7 +2044,7 @@
           <a:p>
             <a:fld id="{EA6D781E-2D27-4EF7-AFED-D0940E0D7738}" type="datetimeFigureOut">
               <a:rPr kumimoji="1" lang="ja-JP" altLang="en-US" smtClean="0"/>
-              <a:t>2020/11/23</a:t>
+              <a:t>2020/11/29</a:t>
             </a:fld>
             <a:endParaRPr kumimoji="1" lang="ja-JP" altLang="en-US"/>
           </a:p>
@@ -2185,7 +2185,7 @@
           <a:p>
             <a:fld id="{EA6D781E-2D27-4EF7-AFED-D0940E0D7738}" type="datetimeFigureOut">
               <a:rPr kumimoji="1" lang="ja-JP" altLang="en-US" smtClean="0"/>
-              <a:t>2020/11/23</a:t>
+              <a:t>2020/11/29</a:t>
             </a:fld>
             <a:endParaRPr kumimoji="1" lang="ja-JP" altLang="en-US"/>
           </a:p>
@@ -2298,7 +2298,7 @@
           <a:p>
             <a:fld id="{EA6D781E-2D27-4EF7-AFED-D0940E0D7738}" type="datetimeFigureOut">
               <a:rPr kumimoji="1" lang="ja-JP" altLang="en-US" smtClean="0"/>
-              <a:t>2020/11/23</a:t>
+              <a:t>2020/11/29</a:t>
             </a:fld>
             <a:endParaRPr kumimoji="1" lang="ja-JP" altLang="en-US"/>
           </a:p>
@@ -2641,7 +2641,7 @@
           <a:p>
             <a:fld id="{EA6D781E-2D27-4EF7-AFED-D0940E0D7738}" type="datetimeFigureOut">
               <a:rPr kumimoji="1" lang="ja-JP" altLang="en-US" smtClean="0"/>
-              <a:t>2020/11/23</a:t>
+              <a:t>2020/11/29</a:t>
             </a:fld>
             <a:endParaRPr kumimoji="1" lang="ja-JP" altLang="en-US"/>
           </a:p>
@@ -2929,7 +2929,7 @@
           <a:p>
             <a:fld id="{EA6D781E-2D27-4EF7-AFED-D0940E0D7738}" type="datetimeFigureOut">
               <a:rPr kumimoji="1" lang="ja-JP" altLang="en-US" smtClean="0"/>
-              <a:t>2020/11/23</a:t>
+              <a:t>2020/11/29</a:t>
             </a:fld>
             <a:endParaRPr kumimoji="1" lang="ja-JP" altLang="en-US"/>
           </a:p>
@@ -3202,7 +3202,7 @@
           <a:p>
             <a:fld id="{EA6D781E-2D27-4EF7-AFED-D0940E0D7738}" type="datetimeFigureOut">
               <a:rPr kumimoji="1" lang="ja-JP" altLang="en-US" smtClean="0"/>
-              <a:t>2020/11/23</a:t>
+              <a:t>2020/11/29</a:t>
             </a:fld>
             <a:endParaRPr kumimoji="1" lang="ja-JP" altLang="en-US"/>
           </a:p>
@@ -18205,7 +18205,7 @@
           </a:lstStyle>
           <a:p>
             <a:r>
-              <a:rPr kumimoji="1" lang="en-US" altLang="ja-JP" sz="2400" b="1" dirty="0">
+              <a:rPr kumimoji="1" lang="en-US" altLang="ja-JP" sz="2400" b="1">
                 <a:solidFill>
                   <a:schemeClr val="accent6">
                     <a:lumMod val="60000"/>
@@ -18214,7 +18214,7 @@
                 </a:solidFill>
                 <a:latin typeface="+mn-ea"/>
               </a:rPr>
-              <a:t>100+150+50</a:t>
+              <a:t>100+200+50</a:t>
             </a:r>
             <a:endParaRPr kumimoji="1" lang="ja-JP" altLang="en-US" sz="2400" b="1" dirty="0">
               <a:solidFill>
